--- a/WPT/Motor-Power-Transfer/DC-Bus-Investigation/Report/DC-Bus.pptx
+++ b/WPT/Motor-Power-Transfer/DC-Bus-Investigation/Report/DC-Bus.pptx
@@ -5,38 +5,39 @@
     <p:sldMasterId id="2147483648" r:id="rId1"/>
   </p:sldMasterIdLst>
   <p:sldIdLst>
-    <p:sldId id="265" r:id="rId2"/>
-    <p:sldId id="259" r:id="rId3"/>
-    <p:sldId id="257" r:id="rId4"/>
-    <p:sldId id="256" r:id="rId5"/>
-    <p:sldId id="260" r:id="rId6"/>
-    <p:sldId id="258" r:id="rId7"/>
-    <p:sldId id="261" r:id="rId8"/>
-    <p:sldId id="262" r:id="rId9"/>
-    <p:sldId id="263" r:id="rId10"/>
-    <p:sldId id="264" r:id="rId11"/>
-    <p:sldId id="266" r:id="rId12"/>
-    <p:sldId id="267" r:id="rId13"/>
-    <p:sldId id="271" r:id="rId14"/>
-    <p:sldId id="268" r:id="rId15"/>
-    <p:sldId id="269" r:id="rId16"/>
-    <p:sldId id="270" r:id="rId17"/>
-    <p:sldId id="272" r:id="rId18"/>
-    <p:sldId id="273" r:id="rId19"/>
-    <p:sldId id="274" r:id="rId20"/>
-    <p:sldId id="275" r:id="rId21"/>
-    <p:sldId id="276" r:id="rId22"/>
-    <p:sldId id="277" r:id="rId23"/>
-    <p:sldId id="278" r:id="rId24"/>
-    <p:sldId id="279" r:id="rId25"/>
-    <p:sldId id="280" r:id="rId26"/>
-    <p:sldId id="281" r:id="rId27"/>
-    <p:sldId id="282" r:id="rId28"/>
-    <p:sldId id="283" r:id="rId29"/>
-    <p:sldId id="284" r:id="rId30"/>
-    <p:sldId id="285" r:id="rId31"/>
-    <p:sldId id="286" r:id="rId32"/>
-    <p:sldId id="287" r:id="rId33"/>
+    <p:sldId id="288" r:id="rId2"/>
+    <p:sldId id="265" r:id="rId3"/>
+    <p:sldId id="259" r:id="rId4"/>
+    <p:sldId id="257" r:id="rId5"/>
+    <p:sldId id="256" r:id="rId6"/>
+    <p:sldId id="260" r:id="rId7"/>
+    <p:sldId id="258" r:id="rId8"/>
+    <p:sldId id="261" r:id="rId9"/>
+    <p:sldId id="262" r:id="rId10"/>
+    <p:sldId id="263" r:id="rId11"/>
+    <p:sldId id="264" r:id="rId12"/>
+    <p:sldId id="266" r:id="rId13"/>
+    <p:sldId id="267" r:id="rId14"/>
+    <p:sldId id="271" r:id="rId15"/>
+    <p:sldId id="268" r:id="rId16"/>
+    <p:sldId id="269" r:id="rId17"/>
+    <p:sldId id="270" r:id="rId18"/>
+    <p:sldId id="272" r:id="rId19"/>
+    <p:sldId id="273" r:id="rId20"/>
+    <p:sldId id="274" r:id="rId21"/>
+    <p:sldId id="275" r:id="rId22"/>
+    <p:sldId id="276" r:id="rId23"/>
+    <p:sldId id="277" r:id="rId24"/>
+    <p:sldId id="278" r:id="rId25"/>
+    <p:sldId id="279" r:id="rId26"/>
+    <p:sldId id="280" r:id="rId27"/>
+    <p:sldId id="281" r:id="rId28"/>
+    <p:sldId id="282" r:id="rId29"/>
+    <p:sldId id="283" r:id="rId30"/>
+    <p:sldId id="284" r:id="rId31"/>
+    <p:sldId id="285" r:id="rId32"/>
+    <p:sldId id="286" r:id="rId33"/>
+    <p:sldId id="287" r:id="rId34"/>
   </p:sldIdLst>
   <p:sldSz cx="12192000" cy="6858000"/>
   <p:notesSz cx="6858000" cy="9144000"/>
@@ -135,6 +136,11 @@
       </a:defRPr>
     </a:lvl9pPr>
   </p:defaultTextStyle>
+  <p:extLst>
+    <p:ext uri="{EFAFB233-063F-42B5-8137-9DF3F51BA10A}">
+      <p15:sldGuideLst xmlns:p15="http://schemas.microsoft.com/office/powerpoint/2012/main"/>
+    </p:ext>
+  </p:extLst>
 </p:presentation>
 </file>
 
@@ -285,7 +291,7 @@
           <a:p>
             <a:fld id="{11EF3BF4-1E3E-4B59-9EA9-8CDFAE59FEF9}" type="datetimeFigureOut">
               <a:rPr lang="en-US" smtClean="0"/>
-              <a:t>12/19/2020</a:t>
+              <a:t>12/21/2020</a:t>
             </a:fld>
             <a:endParaRPr lang="en-US"/>
           </a:p>
@@ -483,7 +489,7 @@
           <a:p>
             <a:fld id="{11EF3BF4-1E3E-4B59-9EA9-8CDFAE59FEF9}" type="datetimeFigureOut">
               <a:rPr lang="en-US" smtClean="0"/>
-              <a:t>12/19/2020</a:t>
+              <a:t>12/21/2020</a:t>
             </a:fld>
             <a:endParaRPr lang="en-US"/>
           </a:p>
@@ -691,7 +697,7 @@
           <a:p>
             <a:fld id="{11EF3BF4-1E3E-4B59-9EA9-8CDFAE59FEF9}" type="datetimeFigureOut">
               <a:rPr lang="en-US" smtClean="0"/>
-              <a:t>12/19/2020</a:t>
+              <a:t>12/21/2020</a:t>
             </a:fld>
             <a:endParaRPr lang="en-US"/>
           </a:p>
@@ -889,7 +895,7 @@
           <a:p>
             <a:fld id="{11EF3BF4-1E3E-4B59-9EA9-8CDFAE59FEF9}" type="datetimeFigureOut">
               <a:rPr lang="en-US" smtClean="0"/>
-              <a:t>12/19/2020</a:t>
+              <a:t>12/21/2020</a:t>
             </a:fld>
             <a:endParaRPr lang="en-US"/>
           </a:p>
@@ -1164,7 +1170,7 @@
           <a:p>
             <a:fld id="{11EF3BF4-1E3E-4B59-9EA9-8CDFAE59FEF9}" type="datetimeFigureOut">
               <a:rPr lang="en-US" smtClean="0"/>
-              <a:t>12/19/2020</a:t>
+              <a:t>12/21/2020</a:t>
             </a:fld>
             <a:endParaRPr lang="en-US"/>
           </a:p>
@@ -1429,7 +1435,7 @@
           <a:p>
             <a:fld id="{11EF3BF4-1E3E-4B59-9EA9-8CDFAE59FEF9}" type="datetimeFigureOut">
               <a:rPr lang="en-US" smtClean="0"/>
-              <a:t>12/19/2020</a:t>
+              <a:t>12/21/2020</a:t>
             </a:fld>
             <a:endParaRPr lang="en-US"/>
           </a:p>
@@ -1841,7 +1847,7 @@
           <a:p>
             <a:fld id="{11EF3BF4-1E3E-4B59-9EA9-8CDFAE59FEF9}" type="datetimeFigureOut">
               <a:rPr lang="en-US" smtClean="0"/>
-              <a:t>12/19/2020</a:t>
+              <a:t>12/21/2020</a:t>
             </a:fld>
             <a:endParaRPr lang="en-US"/>
           </a:p>
@@ -1982,7 +1988,7 @@
           <a:p>
             <a:fld id="{11EF3BF4-1E3E-4B59-9EA9-8CDFAE59FEF9}" type="datetimeFigureOut">
               <a:rPr lang="en-US" smtClean="0"/>
-              <a:t>12/19/2020</a:t>
+              <a:t>12/21/2020</a:t>
             </a:fld>
             <a:endParaRPr lang="en-US"/>
           </a:p>
@@ -2095,7 +2101,7 @@
           <a:p>
             <a:fld id="{11EF3BF4-1E3E-4B59-9EA9-8CDFAE59FEF9}" type="datetimeFigureOut">
               <a:rPr lang="en-US" smtClean="0"/>
-              <a:t>12/19/2020</a:t>
+              <a:t>12/21/2020</a:t>
             </a:fld>
             <a:endParaRPr lang="en-US"/>
           </a:p>
@@ -2406,7 +2412,7 @@
           <a:p>
             <a:fld id="{11EF3BF4-1E3E-4B59-9EA9-8CDFAE59FEF9}" type="datetimeFigureOut">
               <a:rPr lang="en-US" smtClean="0"/>
-              <a:t>12/19/2020</a:t>
+              <a:t>12/21/2020</a:t>
             </a:fld>
             <a:endParaRPr lang="en-US"/>
           </a:p>
@@ -2694,7 +2700,7 @@
           <a:p>
             <a:fld id="{11EF3BF4-1E3E-4B59-9EA9-8CDFAE59FEF9}" type="datetimeFigureOut">
               <a:rPr lang="en-US" smtClean="0"/>
-              <a:t>12/19/2020</a:t>
+              <a:t>12/21/2020</a:t>
             </a:fld>
             <a:endParaRPr lang="en-US"/>
           </a:p>
@@ -2935,7 +2941,7 @@
           <a:p>
             <a:fld id="{11EF3BF4-1E3E-4B59-9EA9-8CDFAE59FEF9}" type="datetimeFigureOut">
               <a:rPr lang="en-US" smtClean="0"/>
-              <a:t>12/19/2020</a:t>
+              <a:t>12/21/2020</a:t>
             </a:fld>
             <a:endParaRPr lang="en-US"/>
           </a:p>
@@ -3352,318 +3358,82 @@
           <a:chExt cx="0" cy="0"/>
         </a:xfrm>
       </p:grpSpPr>
-      <p:sp>
-        <p:nvSpPr>
-          <p:cNvPr id="3" name="Rectangle 2">
-            <a:extLst>
-              <a:ext uri="{FF2B5EF4-FFF2-40B4-BE49-F238E27FC236}">
-                <a16:creationId xmlns:a16="http://schemas.microsoft.com/office/drawing/2014/main" id="{43523E65-B73B-4988-93D4-337490BFFA99}"/>
-              </a:ext>
-            </a:extLst>
-          </p:cNvPr>
-          <p:cNvSpPr/>
+      <p:pic>
+        <p:nvPicPr>
+          <p:cNvPr id="4" name="Picture 3">
+            <a:extLst>
+              <a:ext uri="{FF2B5EF4-FFF2-40B4-BE49-F238E27FC236}">
+                <a16:creationId xmlns:a16="http://schemas.microsoft.com/office/drawing/2014/main" id="{F11A31C4-0143-416F-B00D-296327320E70}"/>
+              </a:ext>
+            </a:extLst>
+          </p:cNvPr>
+          <p:cNvPicPr>
+            <a:picLocks noChangeAspect="1"/>
+          </p:cNvPicPr>
           <p:nvPr/>
-        </p:nvSpPr>
+        </p:nvPicPr>
+        <p:blipFill>
+          <a:blip r:embed="rId2">
+            <a:extLst>
+              <a:ext uri="{28A0092B-C50C-407E-A947-70E740481C1C}">
+                <a14:useLocalDpi xmlns:a14="http://schemas.microsoft.com/office/drawing/2010/main" val="0"/>
+              </a:ext>
+            </a:extLst>
+          </a:blip>
+          <a:stretch>
+            <a:fillRect/>
+          </a:stretch>
+        </p:blipFill>
         <p:spPr>
           <a:xfrm>
-            <a:off x="2763186" y="299803"/>
-            <a:ext cx="5601325" cy="6740307"/>
+            <a:off x="0" y="239843"/>
+            <a:ext cx="5966085" cy="4474564"/>
           </a:xfrm>
           <a:prstGeom prst="rect">
             <a:avLst/>
           </a:prstGeom>
         </p:spPr>
-        <p:txBody>
-          <a:bodyPr wrap="square">
-            <a:spAutoFit/>
-          </a:bodyPr>
-          <a:lstStyle/>
-          <a:p>
-            <a:r>
-              <a:rPr lang="en-US" dirty="0">
-                <a:effectLst/>
-              </a:rPr>
-              <a:t>ma=0.95;</a:t>
-            </a:r>
-          </a:p>
-          <a:p>
-            <a:r>
-              <a:rPr lang="en-US" dirty="0" err="1">
-                <a:effectLst/>
-              </a:rPr>
-              <a:t>ffund</a:t>
-            </a:r>
-            <a:r>
-              <a:rPr lang="en-US" dirty="0">
-                <a:effectLst/>
-              </a:rPr>
-              <a:t>=50;</a:t>
-            </a:r>
-          </a:p>
-          <a:p>
-            <a:r>
-              <a:rPr lang="en-US" dirty="0" err="1">
-                <a:effectLst/>
-              </a:rPr>
-              <a:t>fsw</a:t>
-            </a:r>
-            <a:r>
-              <a:rPr lang="en-US" dirty="0">
-                <a:effectLst/>
-              </a:rPr>
-              <a:t>=20e3;</a:t>
-            </a:r>
-          </a:p>
-          <a:p>
-            <a:r>
-              <a:rPr lang="en-US" dirty="0" err="1">
-                <a:effectLst/>
-              </a:rPr>
-              <a:t>wr</a:t>
-            </a:r>
-            <a:r>
-              <a:rPr lang="en-US" dirty="0">
-                <a:effectLst/>
-              </a:rPr>
-              <a:t>=</a:t>
-            </a:r>
-            <a:r>
-              <a:rPr lang="en-US" dirty="0" err="1">
-                <a:effectLst/>
-              </a:rPr>
-              <a:t>fsw</a:t>
-            </a:r>
-            <a:r>
-              <a:rPr lang="en-US" dirty="0">
-                <a:effectLst/>
-              </a:rPr>
-              <a:t>*2*pi;</a:t>
-            </a:r>
-          </a:p>
-          <a:p>
-            <a:r>
-              <a:rPr lang="en-US" dirty="0" err="1">
-                <a:effectLst/>
-              </a:rPr>
-              <a:t>Tfinal</a:t>
-            </a:r>
-            <a:r>
-              <a:rPr lang="en-US" dirty="0">
-                <a:effectLst/>
-              </a:rPr>
-              <a:t>=0.20;</a:t>
-            </a:r>
-          </a:p>
-          <a:p>
-            <a:r>
-              <a:rPr lang="en-US" dirty="0" err="1">
-                <a:effectLst/>
-              </a:rPr>
-              <a:t>SampleTime</a:t>
-            </a:r>
-            <a:r>
-              <a:rPr lang="en-US" dirty="0">
-                <a:effectLst/>
-              </a:rPr>
-              <a:t>=(1/</a:t>
-            </a:r>
-            <a:r>
-              <a:rPr lang="en-US" dirty="0" err="1">
-                <a:effectLst/>
-              </a:rPr>
-              <a:t>fsw</a:t>
-            </a:r>
-            <a:r>
-              <a:rPr lang="en-US" dirty="0">
-                <a:effectLst/>
-              </a:rPr>
-              <a:t>)/100;</a:t>
-            </a:r>
-          </a:p>
-          <a:p>
-            <a:r>
-              <a:rPr lang="en-US" dirty="0">
-                <a:effectLst/>
-              </a:rPr>
-              <a:t>Vdc=24;</a:t>
-            </a:r>
-          </a:p>
-          <a:p>
-            <a:r>
-              <a:rPr lang="en-US" dirty="0">
-                <a:effectLst/>
-              </a:rPr>
-              <a:t>C_DC=10e-9;</a:t>
-            </a:r>
-          </a:p>
-          <a:p>
-            <a:r>
-              <a:rPr lang="en-US" dirty="0" err="1">
-                <a:effectLst/>
-              </a:rPr>
-              <a:t>Rload</a:t>
-            </a:r>
-            <a:r>
-              <a:rPr lang="en-US" dirty="0">
-                <a:effectLst/>
-              </a:rPr>
-              <a:t>= 1.8586;</a:t>
-            </a:r>
-          </a:p>
-          <a:p>
-            <a:r>
-              <a:rPr lang="en-US" dirty="0" err="1">
-                <a:effectLst/>
-              </a:rPr>
-              <a:t>LLoad</a:t>
-            </a:r>
-            <a:r>
-              <a:rPr lang="en-US" dirty="0">
-                <a:effectLst/>
-              </a:rPr>
-              <a:t>=1e-3;</a:t>
-            </a:r>
-          </a:p>
-          <a:p>
-            <a:r>
-              <a:rPr lang="en-US" dirty="0" err="1">
-                <a:effectLst/>
-              </a:rPr>
-              <a:t>Lp</a:t>
-            </a:r>
-            <a:r>
-              <a:rPr lang="en-US" dirty="0">
-                <a:effectLst/>
-              </a:rPr>
-              <a:t>=120e-6;</a:t>
-            </a:r>
-          </a:p>
-          <a:p>
-            <a:r>
-              <a:rPr lang="en-US" dirty="0">
-                <a:effectLst/>
-              </a:rPr>
-              <a:t>Ls=120e-6;</a:t>
-            </a:r>
-          </a:p>
-          <a:p>
-            <a:r>
-              <a:rPr lang="en-US" dirty="0">
-                <a:effectLst/>
-              </a:rPr>
-              <a:t>M=24e-6;</a:t>
-            </a:r>
-          </a:p>
-          <a:p>
-            <a:r>
-              <a:rPr lang="en-US" dirty="0">
-                <a:effectLst/>
-              </a:rPr>
-              <a:t>RL=12;</a:t>
-            </a:r>
-          </a:p>
-          <a:p>
-            <a:r>
-              <a:rPr lang="en-US" dirty="0">
-                <a:effectLst/>
-              </a:rPr>
-              <a:t>Cp=1/(4*wr^2*</a:t>
-            </a:r>
-            <a:r>
-              <a:rPr lang="en-US" dirty="0" err="1">
-                <a:effectLst/>
-              </a:rPr>
-              <a:t>Lp</a:t>
-            </a:r>
-            <a:r>
-              <a:rPr lang="en-US" dirty="0">
-                <a:effectLst/>
-              </a:rPr>
-              <a:t>);</a:t>
-            </a:r>
-          </a:p>
-          <a:p>
-            <a:r>
-              <a:rPr lang="en-US" dirty="0">
-                <a:effectLst/>
-              </a:rPr>
-              <a:t>Cs=1/(4*wr^2*Ls);</a:t>
-            </a:r>
-          </a:p>
-          <a:p>
-            <a:r>
-              <a:rPr lang="en-US" dirty="0" err="1">
-                <a:effectLst/>
-              </a:rPr>
-              <a:t>LSource</a:t>
-            </a:r>
-            <a:r>
-              <a:rPr lang="en-US" dirty="0">
-                <a:effectLst/>
-              </a:rPr>
-              <a:t>= 1e-9;</a:t>
-            </a:r>
-          </a:p>
-          <a:p>
-            <a:r>
-              <a:rPr lang="en-US" dirty="0" err="1">
-                <a:effectLst/>
-              </a:rPr>
-              <a:t>RSource</a:t>
-            </a:r>
-            <a:r>
-              <a:rPr lang="en-US" dirty="0">
-                <a:effectLst/>
-              </a:rPr>
-              <a:t>= 1e-9;</a:t>
-            </a:r>
-          </a:p>
-          <a:p>
-            <a:r>
-              <a:rPr lang="en-US" dirty="0">
-                <a:effectLst/>
-              </a:rPr>
-              <a:t>LCAHA= 1e-9;</a:t>
-            </a:r>
-          </a:p>
-          <a:p>
-            <a:r>
-              <a:rPr lang="en-US" dirty="0">
-                <a:effectLst/>
-              </a:rPr>
-              <a:t>LHACB= 1e-9;</a:t>
-            </a:r>
-          </a:p>
-          <a:p>
-            <a:r>
-              <a:rPr lang="en-US" dirty="0">
-                <a:effectLst/>
-              </a:rPr>
-              <a:t>LCBHB= 1e-9;</a:t>
-            </a:r>
-          </a:p>
-          <a:p>
-            <a:r>
-              <a:rPr lang="en-US" dirty="0">
-                <a:effectLst/>
-              </a:rPr>
-              <a:t>COUT=100e-6;</a:t>
-            </a:r>
-          </a:p>
-          <a:p>
-            <a:br>
-              <a:rPr lang="en-US" dirty="0">
-                <a:effectLst/>
-              </a:rPr>
-            </a:br>
-            <a:endParaRPr lang="en-US" dirty="0"/>
-          </a:p>
-        </p:txBody>
-      </p:sp>
+      </p:pic>
+      <p:pic>
+        <p:nvPicPr>
+          <p:cNvPr id="6" name="Picture 5">
+            <a:extLst>
+              <a:ext uri="{FF2B5EF4-FFF2-40B4-BE49-F238E27FC236}">
+                <a16:creationId xmlns:a16="http://schemas.microsoft.com/office/drawing/2014/main" id="{F3530365-C981-42ED-8744-ADD31D009CD5}"/>
+              </a:ext>
+            </a:extLst>
+          </p:cNvPr>
+          <p:cNvPicPr>
+            <a:picLocks noChangeAspect="1"/>
+          </p:cNvPicPr>
+          <p:nvPr/>
+        </p:nvPicPr>
+        <p:blipFill>
+          <a:blip r:embed="rId3">
+            <a:extLst>
+              <a:ext uri="{28A0092B-C50C-407E-A947-70E740481C1C}">
+                <a14:useLocalDpi xmlns:a14="http://schemas.microsoft.com/office/drawing/2010/main" val="0"/>
+              </a:ext>
+            </a:extLst>
+          </a:blip>
+          <a:stretch>
+            <a:fillRect/>
+          </a:stretch>
+        </p:blipFill>
+        <p:spPr>
+          <a:xfrm>
+            <a:off x="6096000" y="239843"/>
+            <a:ext cx="5966085" cy="4474564"/>
+          </a:xfrm>
+          <a:prstGeom prst="rect">
+            <a:avLst/>
+          </a:prstGeom>
+        </p:spPr>
+      </p:pic>
     </p:spTree>
     <p:extLst>
       <p:ext uri="{BB962C8B-B14F-4D97-AF65-F5344CB8AC3E}">
-        <p14:creationId xmlns:p14="http://schemas.microsoft.com/office/powerpoint/2010/main" val="3761167715"/>
+        <p14:creationId xmlns:p14="http://schemas.microsoft.com/office/powerpoint/2010/main" val="2069086191"/>
       </p:ext>
     </p:extLst>
   </p:cSld>
@@ -3674,6 +3444,71 @@
 </file>
 
 <file path=ppt/slides/slide10.xml><?xml version="1.0" encoding="utf-8"?>
+<p:sld xmlns:a="http://schemas.openxmlformats.org/drawingml/2006/main" xmlns:r="http://schemas.openxmlformats.org/officeDocument/2006/relationships" xmlns:p="http://schemas.openxmlformats.org/presentationml/2006/main">
+  <p:cSld>
+    <p:spTree>
+      <p:nvGrpSpPr>
+        <p:cNvPr id="1" name=""/>
+        <p:cNvGrpSpPr/>
+        <p:nvPr/>
+      </p:nvGrpSpPr>
+      <p:grpSpPr>
+        <a:xfrm>
+          <a:off x="0" y="0"/>
+          <a:ext cx="0" cy="0"/>
+          <a:chOff x="0" y="0"/>
+          <a:chExt cx="0" cy="0"/>
+        </a:xfrm>
+      </p:grpSpPr>
+      <p:sp>
+        <p:nvSpPr>
+          <p:cNvPr id="2" name="TextBox 1">
+            <a:extLst>
+              <a:ext uri="{FF2B5EF4-FFF2-40B4-BE49-F238E27FC236}">
+                <a16:creationId xmlns:a16="http://schemas.microsoft.com/office/drawing/2014/main" id="{D02C2E1D-A2A0-4D29-924B-E9FA364EAD83}"/>
+              </a:ext>
+            </a:extLst>
+          </p:cNvPr>
+          <p:cNvSpPr txBox="1"/>
+          <p:nvPr/>
+        </p:nvSpPr>
+        <p:spPr>
+          <a:xfrm>
+            <a:off x="3854970" y="569626"/>
+            <a:ext cx="4482059" cy="1631216"/>
+          </a:xfrm>
+          <a:prstGeom prst="rect">
+            <a:avLst/>
+          </a:prstGeom>
+          <a:noFill/>
+        </p:spPr>
+        <p:txBody>
+          <a:bodyPr wrap="square" rtlCol="0">
+            <a:spAutoFit/>
+          </a:bodyPr>
+          <a:lstStyle/>
+          <a:p>
+            <a:r>
+              <a:rPr lang="en-US" sz="10000" dirty="0"/>
+              <a:t>WPT</a:t>
+            </a:r>
+          </a:p>
+        </p:txBody>
+      </p:sp>
+    </p:spTree>
+    <p:extLst>
+      <p:ext uri="{BB962C8B-B14F-4D97-AF65-F5344CB8AC3E}">
+        <p14:creationId xmlns:p14="http://schemas.microsoft.com/office/powerpoint/2010/main" val="2140607749"/>
+      </p:ext>
+    </p:extLst>
+  </p:cSld>
+  <p:clrMapOvr>
+    <a:masterClrMapping/>
+  </p:clrMapOvr>
+</p:sld>
+</file>
+
+<file path=ppt/slides/slide11.xml><?xml version="1.0" encoding="utf-8"?>
 <p:sld xmlns:a="http://schemas.openxmlformats.org/drawingml/2006/main" xmlns:r="http://schemas.openxmlformats.org/officeDocument/2006/relationships" xmlns:p="http://schemas.openxmlformats.org/presentationml/2006/main">
   <p:cSld>
     <p:spTree>
@@ -3733,374 +3568,6 @@
 </p:sld>
 </file>
 
-<file path=ppt/slides/slide11.xml><?xml version="1.0" encoding="utf-8"?>
-<p:sld xmlns:a="http://schemas.openxmlformats.org/drawingml/2006/main" xmlns:r="http://schemas.openxmlformats.org/officeDocument/2006/relationships" xmlns:p="http://schemas.openxmlformats.org/presentationml/2006/main">
-  <p:cSld>
-    <p:spTree>
-      <p:nvGrpSpPr>
-        <p:cNvPr id="1" name=""/>
-        <p:cNvGrpSpPr/>
-        <p:nvPr/>
-      </p:nvGrpSpPr>
-      <p:grpSpPr>
-        <a:xfrm>
-          <a:off x="0" y="0"/>
-          <a:ext cx="0" cy="0"/>
-          <a:chOff x="0" y="0"/>
-          <a:chExt cx="0" cy="0"/>
-        </a:xfrm>
-      </p:grpSpPr>
-      <p:sp>
-        <p:nvSpPr>
-          <p:cNvPr id="4" name="Rectangle 3">
-            <a:extLst>
-              <a:ext uri="{FF2B5EF4-FFF2-40B4-BE49-F238E27FC236}">
-                <a16:creationId xmlns:a16="http://schemas.microsoft.com/office/drawing/2014/main" id="{3FCE5D42-5F67-48A6-AD9B-6D75EB15AF6D}"/>
-              </a:ext>
-            </a:extLst>
-          </p:cNvPr>
-          <p:cNvSpPr/>
-          <p:nvPr/>
-        </p:nvSpPr>
-        <p:spPr>
-          <a:xfrm>
-            <a:off x="3018019" y="269823"/>
-            <a:ext cx="6155961" cy="8402300"/>
-          </a:xfrm>
-          <a:prstGeom prst="rect">
-            <a:avLst/>
-          </a:prstGeom>
-        </p:spPr>
-        <p:txBody>
-          <a:bodyPr wrap="square">
-            <a:spAutoFit/>
-          </a:bodyPr>
-          <a:lstStyle/>
-          <a:p>
-            <a:r>
-              <a:rPr lang="en-US" dirty="0">
-                <a:effectLst/>
-              </a:rPr>
-              <a:t>ma=0.8;</a:t>
-            </a:r>
-          </a:p>
-          <a:p>
-            <a:r>
-              <a:rPr lang="en-US" dirty="0" err="1">
-                <a:effectLst/>
-              </a:rPr>
-              <a:t>ffund</a:t>
-            </a:r>
-            <a:r>
-              <a:rPr lang="en-US" dirty="0">
-                <a:effectLst/>
-              </a:rPr>
-              <a:t>=50;</a:t>
-            </a:r>
-          </a:p>
-          <a:p>
-            <a:r>
-              <a:rPr lang="en-US" dirty="0" err="1">
-                <a:effectLst/>
-              </a:rPr>
-              <a:t>fsw</a:t>
-            </a:r>
-            <a:r>
-              <a:rPr lang="en-US" dirty="0">
-                <a:effectLst/>
-              </a:rPr>
-              <a:t>=20e3;</a:t>
-            </a:r>
-          </a:p>
-          <a:p>
-            <a:r>
-              <a:rPr lang="en-US" dirty="0" err="1">
-                <a:effectLst/>
-              </a:rPr>
-              <a:t>wr</a:t>
-            </a:r>
-            <a:r>
-              <a:rPr lang="en-US" dirty="0">
-                <a:effectLst/>
-              </a:rPr>
-              <a:t>=</a:t>
-            </a:r>
-            <a:r>
-              <a:rPr lang="en-US" dirty="0" err="1">
-                <a:effectLst/>
-              </a:rPr>
-              <a:t>fsw</a:t>
-            </a:r>
-            <a:r>
-              <a:rPr lang="en-US" dirty="0">
-                <a:effectLst/>
-              </a:rPr>
-              <a:t>*2*pi;</a:t>
-            </a:r>
-          </a:p>
-          <a:p>
-            <a:r>
-              <a:rPr lang="en-US" dirty="0" err="1">
-                <a:effectLst/>
-              </a:rPr>
-              <a:t>Tfinal</a:t>
-            </a:r>
-            <a:r>
-              <a:rPr lang="en-US" dirty="0">
-                <a:effectLst/>
-              </a:rPr>
-              <a:t>=0.20;</a:t>
-            </a:r>
-          </a:p>
-          <a:p>
-            <a:r>
-              <a:rPr lang="en-US" dirty="0" err="1">
-                <a:effectLst/>
-              </a:rPr>
-              <a:t>SampleTime</a:t>
-            </a:r>
-            <a:r>
-              <a:rPr lang="en-US" dirty="0">
-                <a:effectLst/>
-              </a:rPr>
-              <a:t>=(1/</a:t>
-            </a:r>
-            <a:r>
-              <a:rPr lang="en-US" dirty="0" err="1">
-                <a:effectLst/>
-              </a:rPr>
-              <a:t>fsw</a:t>
-            </a:r>
-            <a:r>
-              <a:rPr lang="en-US" dirty="0">
-                <a:effectLst/>
-              </a:rPr>
-              <a:t>)/100;</a:t>
-            </a:r>
-          </a:p>
-          <a:p>
-            <a:r>
-              <a:rPr lang="en-US" dirty="0">
-                <a:effectLst/>
-              </a:rPr>
-              <a:t>Vdc=24;</a:t>
-            </a:r>
-          </a:p>
-          <a:p>
-            <a:r>
-              <a:rPr lang="en-US" dirty="0">
-                <a:effectLst/>
-              </a:rPr>
-              <a:t>C_DC=10e-9;</a:t>
-            </a:r>
-          </a:p>
-          <a:p>
-            <a:r>
-              <a:rPr lang="en-US" dirty="0" err="1">
-                <a:effectLst/>
-              </a:rPr>
-              <a:t>Rload</a:t>
-            </a:r>
-            <a:r>
-              <a:rPr lang="en-US" dirty="0">
-                <a:effectLst/>
-              </a:rPr>
-              <a:t>= 1.8586;</a:t>
-            </a:r>
-          </a:p>
-          <a:p>
-            <a:r>
-              <a:rPr lang="en-US" dirty="0" err="1">
-                <a:effectLst/>
-              </a:rPr>
-              <a:t>LLoad</a:t>
-            </a:r>
-            <a:r>
-              <a:rPr lang="en-US" dirty="0">
-                <a:effectLst/>
-              </a:rPr>
-              <a:t>=1e-3;</a:t>
-            </a:r>
-          </a:p>
-          <a:p>
-            <a:r>
-              <a:rPr lang="en-US" dirty="0" err="1">
-                <a:effectLst/>
-              </a:rPr>
-              <a:t>Lp</a:t>
-            </a:r>
-            <a:r>
-              <a:rPr lang="en-US" dirty="0">
-                <a:effectLst/>
-              </a:rPr>
-              <a:t>=120e-6;</a:t>
-            </a:r>
-          </a:p>
-          <a:p>
-            <a:r>
-              <a:rPr lang="en-US" dirty="0">
-                <a:effectLst/>
-              </a:rPr>
-              <a:t>Ls=120e-6;</a:t>
-            </a:r>
-          </a:p>
-          <a:p>
-            <a:r>
-              <a:rPr lang="en-US" dirty="0">
-                <a:effectLst/>
-              </a:rPr>
-              <a:t>M=24e-6;</a:t>
-            </a:r>
-          </a:p>
-          <a:p>
-            <a:r>
-              <a:rPr lang="en-US" dirty="0">
-                <a:effectLst/>
-              </a:rPr>
-              <a:t>RL=12;</a:t>
-            </a:r>
-          </a:p>
-          <a:p>
-            <a:r>
-              <a:rPr lang="en-US" dirty="0">
-                <a:effectLst/>
-              </a:rPr>
-              <a:t>Cp=1/(4*wr^2*</a:t>
-            </a:r>
-            <a:r>
-              <a:rPr lang="en-US" dirty="0" err="1">
-                <a:effectLst/>
-              </a:rPr>
-              <a:t>Lp</a:t>
-            </a:r>
-            <a:r>
-              <a:rPr lang="en-US" dirty="0">
-                <a:effectLst/>
-              </a:rPr>
-              <a:t>);</a:t>
-            </a:r>
-          </a:p>
-          <a:p>
-            <a:r>
-              <a:rPr lang="en-US" dirty="0">
-                <a:effectLst/>
-              </a:rPr>
-              <a:t>Cs=1/(4*wr^2*Ls);</a:t>
-            </a:r>
-          </a:p>
-          <a:p>
-            <a:r>
-              <a:rPr lang="en-US" dirty="0" err="1">
-                <a:effectLst/>
-              </a:rPr>
-              <a:t>LSource</a:t>
-            </a:r>
-            <a:r>
-              <a:rPr lang="en-US" dirty="0">
-                <a:effectLst/>
-              </a:rPr>
-              <a:t>= 1e-9;</a:t>
-            </a:r>
-          </a:p>
-          <a:p>
-            <a:r>
-              <a:rPr lang="en-US" dirty="0" err="1">
-                <a:effectLst/>
-              </a:rPr>
-              <a:t>RSource</a:t>
-            </a:r>
-            <a:r>
-              <a:rPr lang="en-US" dirty="0">
-                <a:effectLst/>
-              </a:rPr>
-              <a:t>= 1e-9;</a:t>
-            </a:r>
-          </a:p>
-          <a:p>
-            <a:r>
-              <a:rPr lang="en-US" dirty="0">
-                <a:effectLst/>
-              </a:rPr>
-              <a:t>LCAHA= 1e-9;</a:t>
-            </a:r>
-          </a:p>
-          <a:p>
-            <a:r>
-              <a:rPr lang="en-US" dirty="0">
-                <a:effectLst/>
-              </a:rPr>
-              <a:t>LHACB= 1e-9;</a:t>
-            </a:r>
-          </a:p>
-          <a:p>
-            <a:r>
-              <a:rPr lang="en-US" dirty="0">
-                <a:effectLst/>
-              </a:rPr>
-              <a:t>LCBHB= 1e-9;</a:t>
-            </a:r>
-          </a:p>
-          <a:p>
-            <a:r>
-              <a:rPr lang="en-US" dirty="0">
-                <a:effectLst/>
-              </a:rPr>
-              <a:t>COUT=100e-6;</a:t>
-            </a:r>
-          </a:p>
-          <a:p>
-            <a:br>
-              <a:rPr lang="en-US" dirty="0">
-                <a:effectLst/>
-              </a:rPr>
-            </a:br>
-            <a:endParaRPr lang="en-US" dirty="0">
-              <a:effectLst/>
-            </a:endParaRPr>
-          </a:p>
-          <a:p>
-            <a:br>
-              <a:rPr lang="en-US" dirty="0">
-                <a:effectLst/>
-              </a:rPr>
-            </a:br>
-            <a:endParaRPr lang="en-US" dirty="0">
-              <a:effectLst/>
-            </a:endParaRPr>
-          </a:p>
-          <a:p>
-            <a:br>
-              <a:rPr lang="en-US" dirty="0">
-                <a:effectLst/>
-              </a:rPr>
-            </a:br>
-            <a:endParaRPr lang="en-US" dirty="0">
-              <a:effectLst/>
-            </a:endParaRPr>
-          </a:p>
-          <a:p>
-            <a:br>
-              <a:rPr lang="en-US" dirty="0">
-                <a:effectLst/>
-              </a:rPr>
-            </a:br>
-            <a:endParaRPr lang="en-US" dirty="0"/>
-          </a:p>
-        </p:txBody>
-      </p:sp>
-    </p:spTree>
-    <p:extLst>
-      <p:ext uri="{BB962C8B-B14F-4D97-AF65-F5344CB8AC3E}">
-        <p14:creationId xmlns:p14="http://schemas.microsoft.com/office/powerpoint/2010/main" val="2281587815"/>
-      </p:ext>
-    </p:extLst>
-  </p:cSld>
-  <p:clrMapOvr>
-    <a:masterClrMapping/>
-  </p:clrMapOvr>
-</p:sld>
-</file>
-
 <file path=ppt/slides/slide12.xml><?xml version="1.0" encoding="utf-8"?>
 <p:sld xmlns:a="http://schemas.openxmlformats.org/drawingml/2006/main" xmlns:r="http://schemas.openxmlformats.org/officeDocument/2006/relationships" xmlns:p="http://schemas.openxmlformats.org/presentationml/2006/main">
   <p:cSld>
@@ -4120,6 +3587,374 @@
       </p:grpSpPr>
       <p:sp>
         <p:nvSpPr>
+          <p:cNvPr id="4" name="Rectangle 3">
+            <a:extLst>
+              <a:ext uri="{FF2B5EF4-FFF2-40B4-BE49-F238E27FC236}">
+                <a16:creationId xmlns:a16="http://schemas.microsoft.com/office/drawing/2014/main" id="{3FCE5D42-5F67-48A6-AD9B-6D75EB15AF6D}"/>
+              </a:ext>
+            </a:extLst>
+          </p:cNvPr>
+          <p:cNvSpPr/>
+          <p:nvPr/>
+        </p:nvSpPr>
+        <p:spPr>
+          <a:xfrm>
+            <a:off x="3018019" y="269823"/>
+            <a:ext cx="6155961" cy="8402300"/>
+          </a:xfrm>
+          <a:prstGeom prst="rect">
+            <a:avLst/>
+          </a:prstGeom>
+        </p:spPr>
+        <p:txBody>
+          <a:bodyPr wrap="square">
+            <a:spAutoFit/>
+          </a:bodyPr>
+          <a:lstStyle/>
+          <a:p>
+            <a:r>
+              <a:rPr lang="en-US" dirty="0">
+                <a:effectLst/>
+              </a:rPr>
+              <a:t>ma=0.8;</a:t>
+            </a:r>
+          </a:p>
+          <a:p>
+            <a:r>
+              <a:rPr lang="en-US" dirty="0" err="1">
+                <a:effectLst/>
+              </a:rPr>
+              <a:t>ffund</a:t>
+            </a:r>
+            <a:r>
+              <a:rPr lang="en-US" dirty="0">
+                <a:effectLst/>
+              </a:rPr>
+              <a:t>=50;</a:t>
+            </a:r>
+          </a:p>
+          <a:p>
+            <a:r>
+              <a:rPr lang="en-US" dirty="0" err="1">
+                <a:effectLst/>
+              </a:rPr>
+              <a:t>fsw</a:t>
+            </a:r>
+            <a:r>
+              <a:rPr lang="en-US" dirty="0">
+                <a:effectLst/>
+              </a:rPr>
+              <a:t>=20e3;</a:t>
+            </a:r>
+          </a:p>
+          <a:p>
+            <a:r>
+              <a:rPr lang="en-US" dirty="0" err="1">
+                <a:effectLst/>
+              </a:rPr>
+              <a:t>wr</a:t>
+            </a:r>
+            <a:r>
+              <a:rPr lang="en-US" dirty="0">
+                <a:effectLst/>
+              </a:rPr>
+              <a:t>=</a:t>
+            </a:r>
+            <a:r>
+              <a:rPr lang="en-US" dirty="0" err="1">
+                <a:effectLst/>
+              </a:rPr>
+              <a:t>fsw</a:t>
+            </a:r>
+            <a:r>
+              <a:rPr lang="en-US" dirty="0">
+                <a:effectLst/>
+              </a:rPr>
+              <a:t>*2*pi;</a:t>
+            </a:r>
+          </a:p>
+          <a:p>
+            <a:r>
+              <a:rPr lang="en-US" dirty="0" err="1">
+                <a:effectLst/>
+              </a:rPr>
+              <a:t>Tfinal</a:t>
+            </a:r>
+            <a:r>
+              <a:rPr lang="en-US" dirty="0">
+                <a:effectLst/>
+              </a:rPr>
+              <a:t>=0.20;</a:t>
+            </a:r>
+          </a:p>
+          <a:p>
+            <a:r>
+              <a:rPr lang="en-US" dirty="0" err="1">
+                <a:effectLst/>
+              </a:rPr>
+              <a:t>SampleTime</a:t>
+            </a:r>
+            <a:r>
+              <a:rPr lang="en-US" dirty="0">
+                <a:effectLst/>
+              </a:rPr>
+              <a:t>=(1/</a:t>
+            </a:r>
+            <a:r>
+              <a:rPr lang="en-US" dirty="0" err="1">
+                <a:effectLst/>
+              </a:rPr>
+              <a:t>fsw</a:t>
+            </a:r>
+            <a:r>
+              <a:rPr lang="en-US" dirty="0">
+                <a:effectLst/>
+              </a:rPr>
+              <a:t>)/100;</a:t>
+            </a:r>
+          </a:p>
+          <a:p>
+            <a:r>
+              <a:rPr lang="en-US" dirty="0">
+                <a:effectLst/>
+              </a:rPr>
+              <a:t>Vdc=24;</a:t>
+            </a:r>
+          </a:p>
+          <a:p>
+            <a:r>
+              <a:rPr lang="en-US" dirty="0">
+                <a:effectLst/>
+              </a:rPr>
+              <a:t>C_DC=10e-9;</a:t>
+            </a:r>
+          </a:p>
+          <a:p>
+            <a:r>
+              <a:rPr lang="en-US" dirty="0" err="1">
+                <a:effectLst/>
+              </a:rPr>
+              <a:t>Rload</a:t>
+            </a:r>
+            <a:r>
+              <a:rPr lang="en-US" dirty="0">
+                <a:effectLst/>
+              </a:rPr>
+              <a:t>= 1.8586;</a:t>
+            </a:r>
+          </a:p>
+          <a:p>
+            <a:r>
+              <a:rPr lang="en-US" dirty="0" err="1">
+                <a:effectLst/>
+              </a:rPr>
+              <a:t>LLoad</a:t>
+            </a:r>
+            <a:r>
+              <a:rPr lang="en-US" dirty="0">
+                <a:effectLst/>
+              </a:rPr>
+              <a:t>=1e-3;</a:t>
+            </a:r>
+          </a:p>
+          <a:p>
+            <a:r>
+              <a:rPr lang="en-US" dirty="0" err="1">
+                <a:effectLst/>
+              </a:rPr>
+              <a:t>Lp</a:t>
+            </a:r>
+            <a:r>
+              <a:rPr lang="en-US" dirty="0">
+                <a:effectLst/>
+              </a:rPr>
+              <a:t>=120e-6;</a:t>
+            </a:r>
+          </a:p>
+          <a:p>
+            <a:r>
+              <a:rPr lang="en-US" dirty="0">
+                <a:effectLst/>
+              </a:rPr>
+              <a:t>Ls=120e-6;</a:t>
+            </a:r>
+          </a:p>
+          <a:p>
+            <a:r>
+              <a:rPr lang="en-US" dirty="0">
+                <a:effectLst/>
+              </a:rPr>
+              <a:t>M=24e-6;</a:t>
+            </a:r>
+          </a:p>
+          <a:p>
+            <a:r>
+              <a:rPr lang="en-US" dirty="0">
+                <a:effectLst/>
+              </a:rPr>
+              <a:t>RL=12;</a:t>
+            </a:r>
+          </a:p>
+          <a:p>
+            <a:r>
+              <a:rPr lang="en-US" dirty="0">
+                <a:effectLst/>
+              </a:rPr>
+              <a:t>Cp=1/(4*wr^2*</a:t>
+            </a:r>
+            <a:r>
+              <a:rPr lang="en-US" dirty="0" err="1">
+                <a:effectLst/>
+              </a:rPr>
+              <a:t>Lp</a:t>
+            </a:r>
+            <a:r>
+              <a:rPr lang="en-US" dirty="0">
+                <a:effectLst/>
+              </a:rPr>
+              <a:t>);</a:t>
+            </a:r>
+          </a:p>
+          <a:p>
+            <a:r>
+              <a:rPr lang="en-US" dirty="0">
+                <a:effectLst/>
+              </a:rPr>
+              <a:t>Cs=1/(4*wr^2*Ls);</a:t>
+            </a:r>
+          </a:p>
+          <a:p>
+            <a:r>
+              <a:rPr lang="en-US" dirty="0" err="1">
+                <a:effectLst/>
+              </a:rPr>
+              <a:t>LSource</a:t>
+            </a:r>
+            <a:r>
+              <a:rPr lang="en-US" dirty="0">
+                <a:effectLst/>
+              </a:rPr>
+              <a:t>= 1e-9;</a:t>
+            </a:r>
+          </a:p>
+          <a:p>
+            <a:r>
+              <a:rPr lang="en-US" dirty="0" err="1">
+                <a:effectLst/>
+              </a:rPr>
+              <a:t>RSource</a:t>
+            </a:r>
+            <a:r>
+              <a:rPr lang="en-US" dirty="0">
+                <a:effectLst/>
+              </a:rPr>
+              <a:t>= 1e-9;</a:t>
+            </a:r>
+          </a:p>
+          <a:p>
+            <a:r>
+              <a:rPr lang="en-US" dirty="0">
+                <a:effectLst/>
+              </a:rPr>
+              <a:t>LCAHA= 1e-9;</a:t>
+            </a:r>
+          </a:p>
+          <a:p>
+            <a:r>
+              <a:rPr lang="en-US" dirty="0">
+                <a:effectLst/>
+              </a:rPr>
+              <a:t>LHACB= 1e-9;</a:t>
+            </a:r>
+          </a:p>
+          <a:p>
+            <a:r>
+              <a:rPr lang="en-US" dirty="0">
+                <a:effectLst/>
+              </a:rPr>
+              <a:t>LCBHB= 1e-9;</a:t>
+            </a:r>
+          </a:p>
+          <a:p>
+            <a:r>
+              <a:rPr lang="en-US" dirty="0">
+                <a:effectLst/>
+              </a:rPr>
+              <a:t>COUT=100e-6;</a:t>
+            </a:r>
+          </a:p>
+          <a:p>
+            <a:br>
+              <a:rPr lang="en-US" dirty="0">
+                <a:effectLst/>
+              </a:rPr>
+            </a:br>
+            <a:endParaRPr lang="en-US" dirty="0">
+              <a:effectLst/>
+            </a:endParaRPr>
+          </a:p>
+          <a:p>
+            <a:br>
+              <a:rPr lang="en-US" dirty="0">
+                <a:effectLst/>
+              </a:rPr>
+            </a:br>
+            <a:endParaRPr lang="en-US" dirty="0">
+              <a:effectLst/>
+            </a:endParaRPr>
+          </a:p>
+          <a:p>
+            <a:br>
+              <a:rPr lang="en-US" dirty="0">
+                <a:effectLst/>
+              </a:rPr>
+            </a:br>
+            <a:endParaRPr lang="en-US" dirty="0">
+              <a:effectLst/>
+            </a:endParaRPr>
+          </a:p>
+          <a:p>
+            <a:br>
+              <a:rPr lang="en-US" dirty="0">
+                <a:effectLst/>
+              </a:rPr>
+            </a:br>
+            <a:endParaRPr lang="en-US" dirty="0"/>
+          </a:p>
+        </p:txBody>
+      </p:sp>
+    </p:spTree>
+    <p:extLst>
+      <p:ext uri="{BB962C8B-B14F-4D97-AF65-F5344CB8AC3E}">
+        <p14:creationId xmlns:p14="http://schemas.microsoft.com/office/powerpoint/2010/main" val="2281587815"/>
+      </p:ext>
+    </p:extLst>
+  </p:cSld>
+  <p:clrMapOvr>
+    <a:masterClrMapping/>
+  </p:clrMapOvr>
+</p:sld>
+</file>
+
+<file path=ppt/slides/slide13.xml><?xml version="1.0" encoding="utf-8"?>
+<p:sld xmlns:a="http://schemas.openxmlformats.org/drawingml/2006/main" xmlns:r="http://schemas.openxmlformats.org/officeDocument/2006/relationships" xmlns:p="http://schemas.openxmlformats.org/presentationml/2006/main">
+  <p:cSld>
+    <p:spTree>
+      <p:nvGrpSpPr>
+        <p:cNvPr id="1" name=""/>
+        <p:cNvGrpSpPr/>
+        <p:nvPr/>
+      </p:nvGrpSpPr>
+      <p:grpSpPr>
+        <a:xfrm>
+          <a:off x="0" y="0"/>
+          <a:ext cx="0" cy="0"/>
+          <a:chOff x="0" y="0"/>
+          <a:chExt cx="0" cy="0"/>
+        </a:xfrm>
+      </p:grpSpPr>
+      <p:sp>
+        <p:nvSpPr>
           <p:cNvPr id="2" name="TextBox 1">
             <a:extLst>
               <a:ext uri="{FF2B5EF4-FFF2-40B4-BE49-F238E27FC236}">
@@ -4166,7 +4001,7 @@
 </p:sld>
 </file>
 
-<file path=ppt/slides/slide13.xml><?xml version="1.0" encoding="utf-8"?>
+<file path=ppt/slides/slide14.xml><?xml version="1.0" encoding="utf-8"?>
 <p:sld xmlns:a="http://schemas.openxmlformats.org/drawingml/2006/main" xmlns:r="http://schemas.openxmlformats.org/officeDocument/2006/relationships" xmlns:p="http://schemas.openxmlformats.org/presentationml/2006/main">
   <p:cSld>
     <p:spTree>
@@ -4226,7 +4061,7 @@
 </p:sld>
 </file>
 
-<file path=ppt/slides/slide14.xml><?xml version="1.0" encoding="utf-8"?>
+<file path=ppt/slides/slide15.xml><?xml version="1.0" encoding="utf-8"?>
 <p:sld xmlns:a="http://schemas.openxmlformats.org/drawingml/2006/main" xmlns:r="http://schemas.openxmlformats.org/officeDocument/2006/relationships" xmlns:p="http://schemas.openxmlformats.org/presentationml/2006/main">
   <p:cSld>
     <p:spTree>
@@ -4286,7 +4121,7 @@
 </p:sld>
 </file>
 
-<file path=ppt/slides/slide15.xml><?xml version="1.0" encoding="utf-8"?>
+<file path=ppt/slides/slide16.xml><?xml version="1.0" encoding="utf-8"?>
 <p:sld xmlns:a="http://schemas.openxmlformats.org/drawingml/2006/main" xmlns:r="http://schemas.openxmlformats.org/officeDocument/2006/relationships" xmlns:p="http://schemas.openxmlformats.org/presentationml/2006/main">
   <p:cSld>
     <p:spTree>
@@ -4346,7 +4181,7 @@
 </p:sld>
 </file>
 
-<file path=ppt/slides/slide16.xml><?xml version="1.0" encoding="utf-8"?>
+<file path=ppt/slides/slide17.xml><?xml version="1.0" encoding="utf-8"?>
 <p:sld xmlns:a="http://schemas.openxmlformats.org/drawingml/2006/main" xmlns:r="http://schemas.openxmlformats.org/officeDocument/2006/relationships" xmlns:p="http://schemas.openxmlformats.org/presentationml/2006/main">
   <p:cSld>
     <p:spTree>
@@ -4406,7 +4241,7 @@
 </p:sld>
 </file>
 
-<file path=ppt/slides/slide17.xml><?xml version="1.0" encoding="utf-8"?>
+<file path=ppt/slides/slide18.xml><?xml version="1.0" encoding="utf-8"?>
 <p:sld xmlns:a="http://schemas.openxmlformats.org/drawingml/2006/main" xmlns:r="http://schemas.openxmlformats.org/officeDocument/2006/relationships" xmlns:p="http://schemas.openxmlformats.org/presentationml/2006/main">
   <p:cSld>
     <p:spTree>
@@ -4471,7 +4306,7 @@
 </p:sld>
 </file>
 
-<file path=ppt/slides/slide18.xml><?xml version="1.0" encoding="utf-8"?>
+<file path=ppt/slides/slide19.xml><?xml version="1.0" encoding="utf-8"?>
 <p:sld xmlns:a="http://schemas.openxmlformats.org/drawingml/2006/main" xmlns:r="http://schemas.openxmlformats.org/officeDocument/2006/relationships" xmlns:p="http://schemas.openxmlformats.org/presentationml/2006/main">
   <p:cSld>
     <p:spTree>
@@ -4531,71 +4366,6 @@
 </p:sld>
 </file>
 
-<file path=ppt/slides/slide19.xml><?xml version="1.0" encoding="utf-8"?>
-<p:sld xmlns:a="http://schemas.openxmlformats.org/drawingml/2006/main" xmlns:r="http://schemas.openxmlformats.org/officeDocument/2006/relationships" xmlns:p="http://schemas.openxmlformats.org/presentationml/2006/main">
-  <p:cSld>
-    <p:spTree>
-      <p:nvGrpSpPr>
-        <p:cNvPr id="1" name=""/>
-        <p:cNvGrpSpPr/>
-        <p:nvPr/>
-      </p:nvGrpSpPr>
-      <p:grpSpPr>
-        <a:xfrm>
-          <a:off x="0" y="0"/>
-          <a:ext cx="0" cy="0"/>
-          <a:chOff x="0" y="0"/>
-          <a:chExt cx="0" cy="0"/>
-        </a:xfrm>
-      </p:grpSpPr>
-      <p:sp>
-        <p:nvSpPr>
-          <p:cNvPr id="2" name="TextBox 1">
-            <a:extLst>
-              <a:ext uri="{FF2B5EF4-FFF2-40B4-BE49-F238E27FC236}">
-                <a16:creationId xmlns:a16="http://schemas.microsoft.com/office/drawing/2014/main" id="{D02C2E1D-A2A0-4D29-924B-E9FA364EAD83}"/>
-              </a:ext>
-            </a:extLst>
-          </p:cNvPr>
-          <p:cNvSpPr txBox="1"/>
-          <p:nvPr/>
-        </p:nvSpPr>
-        <p:spPr>
-          <a:xfrm>
-            <a:off x="3854970" y="569626"/>
-            <a:ext cx="4482059" cy="1631216"/>
-          </a:xfrm>
-          <a:prstGeom prst="rect">
-            <a:avLst/>
-          </a:prstGeom>
-          <a:noFill/>
-        </p:spPr>
-        <p:txBody>
-          <a:bodyPr wrap="square" rtlCol="0">
-            <a:spAutoFit/>
-          </a:bodyPr>
-          <a:lstStyle/>
-          <a:p>
-            <a:r>
-              <a:rPr lang="en-US" sz="10000" dirty="0"/>
-              <a:t>WPT</a:t>
-            </a:r>
-          </a:p>
-        </p:txBody>
-      </p:sp>
-    </p:spTree>
-    <p:extLst>
-      <p:ext uri="{BB962C8B-B14F-4D97-AF65-F5344CB8AC3E}">
-        <p14:creationId xmlns:p14="http://schemas.microsoft.com/office/powerpoint/2010/main" val="2499151974"/>
-      </p:ext>
-    </p:extLst>
-  </p:cSld>
-  <p:clrMapOvr>
-    <a:masterClrMapping/>
-  </p:clrMapOvr>
-</p:sld>
-</file>
-
 <file path=ppt/slides/slide2.xml><?xml version="1.0" encoding="utf-8"?>
 <p:sld xmlns:a="http://schemas.openxmlformats.org/drawingml/2006/main" xmlns:r="http://schemas.openxmlformats.org/officeDocument/2006/relationships" xmlns:p="http://schemas.openxmlformats.org/presentationml/2006/main">
   <p:cSld>
@@ -4615,43 +4385,316 @@
       </p:grpSpPr>
       <p:sp>
         <p:nvSpPr>
-          <p:cNvPr id="2" name="TextBox 1">
-            <a:extLst>
-              <a:ext uri="{FF2B5EF4-FFF2-40B4-BE49-F238E27FC236}">
-                <a16:creationId xmlns:a16="http://schemas.microsoft.com/office/drawing/2014/main" id="{9131B280-A957-4171-8357-D6C8430D7AC6}"/>
-              </a:ext>
-            </a:extLst>
-          </p:cNvPr>
-          <p:cNvSpPr txBox="1"/>
+          <p:cNvPr id="3" name="Rectangle 2">
+            <a:extLst>
+              <a:ext uri="{FF2B5EF4-FFF2-40B4-BE49-F238E27FC236}">
+                <a16:creationId xmlns:a16="http://schemas.microsoft.com/office/drawing/2014/main" id="{43523E65-B73B-4988-93D4-337490BFFA99}"/>
+              </a:ext>
+            </a:extLst>
+          </p:cNvPr>
+          <p:cNvSpPr/>
           <p:nvPr/>
         </p:nvSpPr>
         <p:spPr>
           <a:xfrm>
-            <a:off x="4092314" y="974361"/>
-            <a:ext cx="4482059" cy="1631216"/>
+            <a:off x="2763186" y="299803"/>
+            <a:ext cx="5601325" cy="6740307"/>
           </a:xfrm>
           <a:prstGeom prst="rect">
             <a:avLst/>
           </a:prstGeom>
-          <a:noFill/>
         </p:spPr>
         <p:txBody>
-          <a:bodyPr wrap="square" rtlCol="0">
+          <a:bodyPr wrap="square">
             <a:spAutoFit/>
           </a:bodyPr>
           <a:lstStyle/>
           <a:p>
             <a:r>
-              <a:rPr lang="en-US" sz="10000" dirty="0"/>
-              <a:t>DC BUS</a:t>
-            </a:r>
+              <a:rPr lang="en-US" dirty="0">
+                <a:effectLst/>
+              </a:rPr>
+              <a:t>ma=0.95;</a:t>
+            </a:r>
+          </a:p>
+          <a:p>
+            <a:r>
+              <a:rPr lang="en-US" dirty="0" err="1">
+                <a:effectLst/>
+              </a:rPr>
+              <a:t>ffund</a:t>
+            </a:r>
+            <a:r>
+              <a:rPr lang="en-US" dirty="0">
+                <a:effectLst/>
+              </a:rPr>
+              <a:t>=50;</a:t>
+            </a:r>
+          </a:p>
+          <a:p>
+            <a:r>
+              <a:rPr lang="en-US" dirty="0" err="1">
+                <a:effectLst/>
+              </a:rPr>
+              <a:t>fsw</a:t>
+            </a:r>
+            <a:r>
+              <a:rPr lang="en-US" dirty="0">
+                <a:effectLst/>
+              </a:rPr>
+              <a:t>=20e3;</a:t>
+            </a:r>
+          </a:p>
+          <a:p>
+            <a:r>
+              <a:rPr lang="en-US" dirty="0" err="1">
+                <a:effectLst/>
+              </a:rPr>
+              <a:t>wr</a:t>
+            </a:r>
+            <a:r>
+              <a:rPr lang="en-US" dirty="0">
+                <a:effectLst/>
+              </a:rPr>
+              <a:t>=</a:t>
+            </a:r>
+            <a:r>
+              <a:rPr lang="en-US" dirty="0" err="1">
+                <a:effectLst/>
+              </a:rPr>
+              <a:t>fsw</a:t>
+            </a:r>
+            <a:r>
+              <a:rPr lang="en-US" dirty="0">
+                <a:effectLst/>
+              </a:rPr>
+              <a:t>*2*pi;</a:t>
+            </a:r>
+          </a:p>
+          <a:p>
+            <a:r>
+              <a:rPr lang="en-US" dirty="0" err="1">
+                <a:effectLst/>
+              </a:rPr>
+              <a:t>Tfinal</a:t>
+            </a:r>
+            <a:r>
+              <a:rPr lang="en-US" dirty="0">
+                <a:effectLst/>
+              </a:rPr>
+              <a:t>=0.20;</a:t>
+            </a:r>
+          </a:p>
+          <a:p>
+            <a:r>
+              <a:rPr lang="en-US" dirty="0" err="1">
+                <a:effectLst/>
+              </a:rPr>
+              <a:t>SampleTime</a:t>
+            </a:r>
+            <a:r>
+              <a:rPr lang="en-US" dirty="0">
+                <a:effectLst/>
+              </a:rPr>
+              <a:t>=(1/</a:t>
+            </a:r>
+            <a:r>
+              <a:rPr lang="en-US" dirty="0" err="1">
+                <a:effectLst/>
+              </a:rPr>
+              <a:t>fsw</a:t>
+            </a:r>
+            <a:r>
+              <a:rPr lang="en-US" dirty="0">
+                <a:effectLst/>
+              </a:rPr>
+              <a:t>)/100;</a:t>
+            </a:r>
+          </a:p>
+          <a:p>
+            <a:r>
+              <a:rPr lang="en-US" dirty="0">
+                <a:effectLst/>
+              </a:rPr>
+              <a:t>Vdc=24;</a:t>
+            </a:r>
+          </a:p>
+          <a:p>
+            <a:r>
+              <a:rPr lang="en-US" dirty="0">
+                <a:effectLst/>
+              </a:rPr>
+              <a:t>C_DC=10e-9;</a:t>
+            </a:r>
+          </a:p>
+          <a:p>
+            <a:r>
+              <a:rPr lang="en-US" dirty="0" err="1">
+                <a:effectLst/>
+              </a:rPr>
+              <a:t>Rload</a:t>
+            </a:r>
+            <a:r>
+              <a:rPr lang="en-US" dirty="0">
+                <a:effectLst/>
+              </a:rPr>
+              <a:t>= 1.8586;</a:t>
+            </a:r>
+          </a:p>
+          <a:p>
+            <a:r>
+              <a:rPr lang="en-US" dirty="0" err="1">
+                <a:effectLst/>
+              </a:rPr>
+              <a:t>LLoad</a:t>
+            </a:r>
+            <a:r>
+              <a:rPr lang="en-US" dirty="0">
+                <a:effectLst/>
+              </a:rPr>
+              <a:t>=1e-3;</a:t>
+            </a:r>
+          </a:p>
+          <a:p>
+            <a:r>
+              <a:rPr lang="en-US" dirty="0" err="1">
+                <a:effectLst/>
+              </a:rPr>
+              <a:t>Lp</a:t>
+            </a:r>
+            <a:r>
+              <a:rPr lang="en-US" dirty="0">
+                <a:effectLst/>
+              </a:rPr>
+              <a:t>=120e-6;</a:t>
+            </a:r>
+          </a:p>
+          <a:p>
+            <a:r>
+              <a:rPr lang="en-US" dirty="0">
+                <a:effectLst/>
+              </a:rPr>
+              <a:t>Ls=120e-6;</a:t>
+            </a:r>
+          </a:p>
+          <a:p>
+            <a:r>
+              <a:rPr lang="en-US" dirty="0">
+                <a:effectLst/>
+              </a:rPr>
+              <a:t>M=24e-6;</a:t>
+            </a:r>
+          </a:p>
+          <a:p>
+            <a:r>
+              <a:rPr lang="en-US" dirty="0">
+                <a:effectLst/>
+              </a:rPr>
+              <a:t>RL=12;</a:t>
+            </a:r>
+          </a:p>
+          <a:p>
+            <a:r>
+              <a:rPr lang="en-US" dirty="0">
+                <a:effectLst/>
+              </a:rPr>
+              <a:t>Cp=1/(4*wr^2*</a:t>
+            </a:r>
+            <a:r>
+              <a:rPr lang="en-US" dirty="0" err="1">
+                <a:effectLst/>
+              </a:rPr>
+              <a:t>Lp</a:t>
+            </a:r>
+            <a:r>
+              <a:rPr lang="en-US" dirty="0">
+                <a:effectLst/>
+              </a:rPr>
+              <a:t>);</a:t>
+            </a:r>
+          </a:p>
+          <a:p>
+            <a:r>
+              <a:rPr lang="en-US" dirty="0">
+                <a:effectLst/>
+              </a:rPr>
+              <a:t>Cs=1/(4*wr^2*Ls);</a:t>
+            </a:r>
+          </a:p>
+          <a:p>
+            <a:r>
+              <a:rPr lang="en-US" dirty="0" err="1">
+                <a:effectLst/>
+              </a:rPr>
+              <a:t>LSource</a:t>
+            </a:r>
+            <a:r>
+              <a:rPr lang="en-US" dirty="0">
+                <a:effectLst/>
+              </a:rPr>
+              <a:t>= 1e-9;</a:t>
+            </a:r>
+          </a:p>
+          <a:p>
+            <a:r>
+              <a:rPr lang="en-US" dirty="0" err="1">
+                <a:effectLst/>
+              </a:rPr>
+              <a:t>RSource</a:t>
+            </a:r>
+            <a:r>
+              <a:rPr lang="en-US" dirty="0">
+                <a:effectLst/>
+              </a:rPr>
+              <a:t>= 1e-9;</a:t>
+            </a:r>
+          </a:p>
+          <a:p>
+            <a:r>
+              <a:rPr lang="en-US" dirty="0">
+                <a:effectLst/>
+              </a:rPr>
+              <a:t>LCAHA= 1e-9;</a:t>
+            </a:r>
+          </a:p>
+          <a:p>
+            <a:r>
+              <a:rPr lang="en-US" dirty="0">
+                <a:effectLst/>
+              </a:rPr>
+              <a:t>LHACB= 1e-9;</a:t>
+            </a:r>
+          </a:p>
+          <a:p>
+            <a:r>
+              <a:rPr lang="en-US" dirty="0">
+                <a:effectLst/>
+              </a:rPr>
+              <a:t>LCBHB= 1e-9;</a:t>
+            </a:r>
+          </a:p>
+          <a:p>
+            <a:r>
+              <a:rPr lang="en-US" dirty="0">
+                <a:effectLst/>
+              </a:rPr>
+              <a:t>COUT=100e-6;</a:t>
+            </a:r>
+          </a:p>
+          <a:p>
+            <a:br>
+              <a:rPr lang="en-US" dirty="0">
+                <a:effectLst/>
+              </a:rPr>
+            </a:br>
+            <a:endParaRPr lang="en-US" dirty="0"/>
           </a:p>
         </p:txBody>
       </p:sp>
     </p:spTree>
     <p:extLst>
       <p:ext uri="{BB962C8B-B14F-4D97-AF65-F5344CB8AC3E}">
-        <p14:creationId xmlns:p14="http://schemas.microsoft.com/office/powerpoint/2010/main" val="1768858504"/>
+        <p14:creationId xmlns:p14="http://schemas.microsoft.com/office/powerpoint/2010/main" val="3761167715"/>
       </p:ext>
     </p:extLst>
   </p:cSld>
@@ -4662,6 +4705,71 @@
 </file>
 
 <file path=ppt/slides/slide20.xml><?xml version="1.0" encoding="utf-8"?>
+<p:sld xmlns:a="http://schemas.openxmlformats.org/drawingml/2006/main" xmlns:r="http://schemas.openxmlformats.org/officeDocument/2006/relationships" xmlns:p="http://schemas.openxmlformats.org/presentationml/2006/main">
+  <p:cSld>
+    <p:spTree>
+      <p:nvGrpSpPr>
+        <p:cNvPr id="1" name=""/>
+        <p:cNvGrpSpPr/>
+        <p:nvPr/>
+      </p:nvGrpSpPr>
+      <p:grpSpPr>
+        <a:xfrm>
+          <a:off x="0" y="0"/>
+          <a:ext cx="0" cy="0"/>
+          <a:chOff x="0" y="0"/>
+          <a:chExt cx="0" cy="0"/>
+        </a:xfrm>
+      </p:grpSpPr>
+      <p:sp>
+        <p:nvSpPr>
+          <p:cNvPr id="2" name="TextBox 1">
+            <a:extLst>
+              <a:ext uri="{FF2B5EF4-FFF2-40B4-BE49-F238E27FC236}">
+                <a16:creationId xmlns:a16="http://schemas.microsoft.com/office/drawing/2014/main" id="{D02C2E1D-A2A0-4D29-924B-E9FA364EAD83}"/>
+              </a:ext>
+            </a:extLst>
+          </p:cNvPr>
+          <p:cNvSpPr txBox="1"/>
+          <p:nvPr/>
+        </p:nvSpPr>
+        <p:spPr>
+          <a:xfrm>
+            <a:off x="3854970" y="569626"/>
+            <a:ext cx="4482059" cy="1631216"/>
+          </a:xfrm>
+          <a:prstGeom prst="rect">
+            <a:avLst/>
+          </a:prstGeom>
+          <a:noFill/>
+        </p:spPr>
+        <p:txBody>
+          <a:bodyPr wrap="square" rtlCol="0">
+            <a:spAutoFit/>
+          </a:bodyPr>
+          <a:lstStyle/>
+          <a:p>
+            <a:r>
+              <a:rPr lang="en-US" sz="10000" dirty="0"/>
+              <a:t>WPT</a:t>
+            </a:r>
+          </a:p>
+        </p:txBody>
+      </p:sp>
+    </p:spTree>
+    <p:extLst>
+      <p:ext uri="{BB962C8B-B14F-4D97-AF65-F5344CB8AC3E}">
+        <p14:creationId xmlns:p14="http://schemas.microsoft.com/office/powerpoint/2010/main" val="2499151974"/>
+      </p:ext>
+    </p:extLst>
+  </p:cSld>
+  <p:clrMapOvr>
+    <a:masterClrMapping/>
+  </p:clrMapOvr>
+</p:sld>
+</file>
+
+<file path=ppt/slides/slide21.xml><?xml version="1.0" encoding="utf-8"?>
 <p:sld xmlns:a="http://schemas.openxmlformats.org/drawingml/2006/main" xmlns:r="http://schemas.openxmlformats.org/officeDocument/2006/relationships" xmlns:p="http://schemas.openxmlformats.org/presentationml/2006/main">
   <p:cSld>
     <p:spTree>
@@ -4721,354 +4829,6 @@
 </p:sld>
 </file>
 
-<file path=ppt/slides/slide21.xml><?xml version="1.0" encoding="utf-8"?>
-<p:sld xmlns:a="http://schemas.openxmlformats.org/drawingml/2006/main" xmlns:r="http://schemas.openxmlformats.org/officeDocument/2006/relationships" xmlns:p="http://schemas.openxmlformats.org/presentationml/2006/main">
-  <p:cSld>
-    <p:spTree>
-      <p:nvGrpSpPr>
-        <p:cNvPr id="1" name=""/>
-        <p:cNvGrpSpPr/>
-        <p:nvPr/>
-      </p:nvGrpSpPr>
-      <p:grpSpPr>
-        <a:xfrm>
-          <a:off x="0" y="0"/>
-          <a:ext cx="0" cy="0"/>
-          <a:chOff x="0" y="0"/>
-          <a:chExt cx="0" cy="0"/>
-        </a:xfrm>
-      </p:grpSpPr>
-      <p:sp>
-        <p:nvSpPr>
-          <p:cNvPr id="4" name="Rectangle 3">
-            <a:extLst>
-              <a:ext uri="{FF2B5EF4-FFF2-40B4-BE49-F238E27FC236}">
-                <a16:creationId xmlns:a16="http://schemas.microsoft.com/office/drawing/2014/main" id="{C42DC571-6FA8-4A43-BDB0-95CF7ECF2B23}"/>
-              </a:ext>
-            </a:extLst>
-          </p:cNvPr>
-          <p:cNvSpPr/>
-          <p:nvPr/>
-        </p:nvSpPr>
-        <p:spPr>
-          <a:xfrm>
-            <a:off x="3904445" y="103031"/>
-            <a:ext cx="4833870" cy="7294305"/>
-          </a:xfrm>
-          <a:prstGeom prst="rect">
-            <a:avLst/>
-          </a:prstGeom>
-        </p:spPr>
-        <p:txBody>
-          <a:bodyPr wrap="square">
-            <a:spAutoFit/>
-          </a:bodyPr>
-          <a:lstStyle/>
-          <a:p>
-            <a:r>
-              <a:rPr lang="en-US" dirty="0">
-                <a:effectLst/>
-              </a:rPr>
-              <a:t>ma=0.5;</a:t>
-            </a:r>
-          </a:p>
-          <a:p>
-            <a:r>
-              <a:rPr lang="en-US" dirty="0" err="1">
-                <a:effectLst/>
-              </a:rPr>
-              <a:t>ffund</a:t>
-            </a:r>
-            <a:r>
-              <a:rPr lang="en-US" dirty="0">
-                <a:effectLst/>
-              </a:rPr>
-              <a:t>=50;</a:t>
-            </a:r>
-          </a:p>
-          <a:p>
-            <a:r>
-              <a:rPr lang="en-US" dirty="0" err="1">
-                <a:effectLst/>
-              </a:rPr>
-              <a:t>fsw</a:t>
-            </a:r>
-            <a:r>
-              <a:rPr lang="en-US" dirty="0">
-                <a:effectLst/>
-              </a:rPr>
-              <a:t>=20e3;</a:t>
-            </a:r>
-          </a:p>
-          <a:p>
-            <a:r>
-              <a:rPr lang="en-US" dirty="0" err="1">
-                <a:effectLst/>
-              </a:rPr>
-              <a:t>wr</a:t>
-            </a:r>
-            <a:r>
-              <a:rPr lang="en-US" dirty="0">
-                <a:effectLst/>
-              </a:rPr>
-              <a:t>=</a:t>
-            </a:r>
-            <a:r>
-              <a:rPr lang="en-US" dirty="0" err="1">
-                <a:effectLst/>
-              </a:rPr>
-              <a:t>fsw</a:t>
-            </a:r>
-            <a:r>
-              <a:rPr lang="en-US" dirty="0">
-                <a:effectLst/>
-              </a:rPr>
-              <a:t>*2*pi;</a:t>
-            </a:r>
-          </a:p>
-          <a:p>
-            <a:r>
-              <a:rPr lang="en-US" dirty="0" err="1">
-                <a:effectLst/>
-              </a:rPr>
-              <a:t>Tfinal</a:t>
-            </a:r>
-            <a:r>
-              <a:rPr lang="en-US" dirty="0">
-                <a:effectLst/>
-              </a:rPr>
-              <a:t>=0.20;</a:t>
-            </a:r>
-          </a:p>
-          <a:p>
-            <a:r>
-              <a:rPr lang="en-US" dirty="0" err="1">
-                <a:effectLst/>
-              </a:rPr>
-              <a:t>SampleTime</a:t>
-            </a:r>
-            <a:r>
-              <a:rPr lang="en-US" dirty="0">
-                <a:effectLst/>
-              </a:rPr>
-              <a:t>=(1/</a:t>
-            </a:r>
-            <a:r>
-              <a:rPr lang="en-US" dirty="0" err="1">
-                <a:effectLst/>
-              </a:rPr>
-              <a:t>fsw</a:t>
-            </a:r>
-            <a:r>
-              <a:rPr lang="en-US" dirty="0">
-                <a:effectLst/>
-              </a:rPr>
-              <a:t>)/100;</a:t>
-            </a:r>
-          </a:p>
-          <a:p>
-            <a:r>
-              <a:rPr lang="en-US" dirty="0">
-                <a:effectLst/>
-              </a:rPr>
-              <a:t>Vdc=24;</a:t>
-            </a:r>
-          </a:p>
-          <a:p>
-            <a:r>
-              <a:rPr lang="en-US" dirty="0">
-                <a:effectLst/>
-              </a:rPr>
-              <a:t>C_DC=10e-9;</a:t>
-            </a:r>
-          </a:p>
-          <a:p>
-            <a:r>
-              <a:rPr lang="en-US" dirty="0" err="1">
-                <a:effectLst/>
-              </a:rPr>
-              <a:t>Rload</a:t>
-            </a:r>
-            <a:r>
-              <a:rPr lang="en-US" dirty="0">
-                <a:effectLst/>
-              </a:rPr>
-              <a:t>= 1.8586;</a:t>
-            </a:r>
-          </a:p>
-          <a:p>
-            <a:r>
-              <a:rPr lang="en-US" dirty="0" err="1">
-                <a:effectLst/>
-              </a:rPr>
-              <a:t>LLoad</a:t>
-            </a:r>
-            <a:r>
-              <a:rPr lang="en-US" dirty="0">
-                <a:effectLst/>
-              </a:rPr>
-              <a:t>=1e-3;</a:t>
-            </a:r>
-          </a:p>
-          <a:p>
-            <a:r>
-              <a:rPr lang="en-US" dirty="0" err="1">
-                <a:effectLst/>
-              </a:rPr>
-              <a:t>Lp</a:t>
-            </a:r>
-            <a:r>
-              <a:rPr lang="en-US" dirty="0">
-                <a:effectLst/>
-              </a:rPr>
-              <a:t>=120e-6;</a:t>
-            </a:r>
-          </a:p>
-          <a:p>
-            <a:r>
-              <a:rPr lang="en-US" dirty="0">
-                <a:effectLst/>
-              </a:rPr>
-              <a:t>Ls=120e-6;</a:t>
-            </a:r>
-          </a:p>
-          <a:p>
-            <a:r>
-              <a:rPr lang="en-US" dirty="0">
-                <a:effectLst/>
-              </a:rPr>
-              <a:t>M=24e-6;</a:t>
-            </a:r>
-          </a:p>
-          <a:p>
-            <a:r>
-              <a:rPr lang="en-US" dirty="0">
-                <a:effectLst/>
-              </a:rPr>
-              <a:t>RL=12;</a:t>
-            </a:r>
-          </a:p>
-          <a:p>
-            <a:r>
-              <a:rPr lang="en-US" dirty="0">
-                <a:effectLst/>
-              </a:rPr>
-              <a:t>Cp=1/(4*wr^2*</a:t>
-            </a:r>
-            <a:r>
-              <a:rPr lang="en-US" dirty="0" err="1">
-                <a:effectLst/>
-              </a:rPr>
-              <a:t>Lp</a:t>
-            </a:r>
-            <a:r>
-              <a:rPr lang="en-US" dirty="0">
-                <a:effectLst/>
-              </a:rPr>
-              <a:t>);</a:t>
-            </a:r>
-          </a:p>
-          <a:p>
-            <a:r>
-              <a:rPr lang="en-US" dirty="0">
-                <a:effectLst/>
-              </a:rPr>
-              <a:t>Cs=1/(4*wr^2*Ls);</a:t>
-            </a:r>
-          </a:p>
-          <a:p>
-            <a:r>
-              <a:rPr lang="en-US" dirty="0" err="1">
-                <a:effectLst/>
-              </a:rPr>
-              <a:t>LSource</a:t>
-            </a:r>
-            <a:r>
-              <a:rPr lang="en-US" dirty="0">
-                <a:effectLst/>
-              </a:rPr>
-              <a:t>= 1e-9;</a:t>
-            </a:r>
-          </a:p>
-          <a:p>
-            <a:r>
-              <a:rPr lang="en-US" dirty="0" err="1">
-                <a:effectLst/>
-              </a:rPr>
-              <a:t>RSource</a:t>
-            </a:r>
-            <a:r>
-              <a:rPr lang="en-US" dirty="0">
-                <a:effectLst/>
-              </a:rPr>
-              <a:t>= 1e-9;</a:t>
-            </a:r>
-          </a:p>
-          <a:p>
-            <a:r>
-              <a:rPr lang="en-US" dirty="0">
-                <a:effectLst/>
-              </a:rPr>
-              <a:t>LCAHA= 1e-9;</a:t>
-            </a:r>
-          </a:p>
-          <a:p>
-            <a:r>
-              <a:rPr lang="en-US" dirty="0">
-                <a:effectLst/>
-              </a:rPr>
-              <a:t>LHACB= 1e-9;</a:t>
-            </a:r>
-          </a:p>
-          <a:p>
-            <a:r>
-              <a:rPr lang="en-US" dirty="0">
-                <a:effectLst/>
-              </a:rPr>
-              <a:t>LCBHB= 1e-9;</a:t>
-            </a:r>
-          </a:p>
-          <a:p>
-            <a:r>
-              <a:rPr lang="en-US" dirty="0">
-                <a:effectLst/>
-              </a:rPr>
-              <a:t>COUT=100e-6;</a:t>
-            </a:r>
-          </a:p>
-          <a:p>
-            <a:br>
-              <a:rPr lang="en-US" dirty="0">
-                <a:effectLst/>
-              </a:rPr>
-            </a:br>
-            <a:endParaRPr lang="en-US" dirty="0">
-              <a:effectLst/>
-            </a:endParaRPr>
-          </a:p>
-          <a:p>
-            <a:br>
-              <a:rPr lang="en-US" dirty="0">
-                <a:effectLst/>
-              </a:rPr>
-            </a:br>
-            <a:endParaRPr lang="en-US" dirty="0"/>
-          </a:p>
-        </p:txBody>
-      </p:sp>
-    </p:spTree>
-    <p:extLst>
-      <p:ext uri="{BB962C8B-B14F-4D97-AF65-F5344CB8AC3E}">
-        <p14:creationId xmlns:p14="http://schemas.microsoft.com/office/powerpoint/2010/main" val="179182852"/>
-      </p:ext>
-    </p:extLst>
-  </p:cSld>
-  <p:clrMapOvr>
-    <a:masterClrMapping/>
-  </p:clrMapOvr>
-</p:sld>
-</file>
-
 <file path=ppt/slides/slide22.xml><?xml version="1.0" encoding="utf-8"?>
 <p:sld xmlns:a="http://schemas.openxmlformats.org/drawingml/2006/main" xmlns:r="http://schemas.openxmlformats.org/officeDocument/2006/relationships" xmlns:p="http://schemas.openxmlformats.org/presentationml/2006/main">
   <p:cSld>
@@ -5088,6 +4848,354 @@
       </p:grpSpPr>
       <p:sp>
         <p:nvSpPr>
+          <p:cNvPr id="4" name="Rectangle 3">
+            <a:extLst>
+              <a:ext uri="{FF2B5EF4-FFF2-40B4-BE49-F238E27FC236}">
+                <a16:creationId xmlns:a16="http://schemas.microsoft.com/office/drawing/2014/main" id="{C42DC571-6FA8-4A43-BDB0-95CF7ECF2B23}"/>
+              </a:ext>
+            </a:extLst>
+          </p:cNvPr>
+          <p:cNvSpPr/>
+          <p:nvPr/>
+        </p:nvSpPr>
+        <p:spPr>
+          <a:xfrm>
+            <a:off x="3904445" y="103031"/>
+            <a:ext cx="4833870" cy="7294305"/>
+          </a:xfrm>
+          <a:prstGeom prst="rect">
+            <a:avLst/>
+          </a:prstGeom>
+        </p:spPr>
+        <p:txBody>
+          <a:bodyPr wrap="square">
+            <a:spAutoFit/>
+          </a:bodyPr>
+          <a:lstStyle/>
+          <a:p>
+            <a:r>
+              <a:rPr lang="en-US" dirty="0">
+                <a:effectLst/>
+              </a:rPr>
+              <a:t>ma=0.5;</a:t>
+            </a:r>
+          </a:p>
+          <a:p>
+            <a:r>
+              <a:rPr lang="en-US" dirty="0" err="1">
+                <a:effectLst/>
+              </a:rPr>
+              <a:t>ffund</a:t>
+            </a:r>
+            <a:r>
+              <a:rPr lang="en-US" dirty="0">
+                <a:effectLst/>
+              </a:rPr>
+              <a:t>=50;</a:t>
+            </a:r>
+          </a:p>
+          <a:p>
+            <a:r>
+              <a:rPr lang="en-US" dirty="0" err="1">
+                <a:effectLst/>
+              </a:rPr>
+              <a:t>fsw</a:t>
+            </a:r>
+            <a:r>
+              <a:rPr lang="en-US" dirty="0">
+                <a:effectLst/>
+              </a:rPr>
+              <a:t>=20e3;</a:t>
+            </a:r>
+          </a:p>
+          <a:p>
+            <a:r>
+              <a:rPr lang="en-US" dirty="0" err="1">
+                <a:effectLst/>
+              </a:rPr>
+              <a:t>wr</a:t>
+            </a:r>
+            <a:r>
+              <a:rPr lang="en-US" dirty="0">
+                <a:effectLst/>
+              </a:rPr>
+              <a:t>=</a:t>
+            </a:r>
+            <a:r>
+              <a:rPr lang="en-US" dirty="0" err="1">
+                <a:effectLst/>
+              </a:rPr>
+              <a:t>fsw</a:t>
+            </a:r>
+            <a:r>
+              <a:rPr lang="en-US" dirty="0">
+                <a:effectLst/>
+              </a:rPr>
+              <a:t>*2*pi;</a:t>
+            </a:r>
+          </a:p>
+          <a:p>
+            <a:r>
+              <a:rPr lang="en-US" dirty="0" err="1">
+                <a:effectLst/>
+              </a:rPr>
+              <a:t>Tfinal</a:t>
+            </a:r>
+            <a:r>
+              <a:rPr lang="en-US" dirty="0">
+                <a:effectLst/>
+              </a:rPr>
+              <a:t>=0.20;</a:t>
+            </a:r>
+          </a:p>
+          <a:p>
+            <a:r>
+              <a:rPr lang="en-US" dirty="0" err="1">
+                <a:effectLst/>
+              </a:rPr>
+              <a:t>SampleTime</a:t>
+            </a:r>
+            <a:r>
+              <a:rPr lang="en-US" dirty="0">
+                <a:effectLst/>
+              </a:rPr>
+              <a:t>=(1/</a:t>
+            </a:r>
+            <a:r>
+              <a:rPr lang="en-US" dirty="0" err="1">
+                <a:effectLst/>
+              </a:rPr>
+              <a:t>fsw</a:t>
+            </a:r>
+            <a:r>
+              <a:rPr lang="en-US" dirty="0">
+                <a:effectLst/>
+              </a:rPr>
+              <a:t>)/100;</a:t>
+            </a:r>
+          </a:p>
+          <a:p>
+            <a:r>
+              <a:rPr lang="en-US" dirty="0">
+                <a:effectLst/>
+              </a:rPr>
+              <a:t>Vdc=24;</a:t>
+            </a:r>
+          </a:p>
+          <a:p>
+            <a:r>
+              <a:rPr lang="en-US" dirty="0">
+                <a:effectLst/>
+              </a:rPr>
+              <a:t>C_DC=10e-9;</a:t>
+            </a:r>
+          </a:p>
+          <a:p>
+            <a:r>
+              <a:rPr lang="en-US" dirty="0" err="1">
+                <a:effectLst/>
+              </a:rPr>
+              <a:t>Rload</a:t>
+            </a:r>
+            <a:r>
+              <a:rPr lang="en-US" dirty="0">
+                <a:effectLst/>
+              </a:rPr>
+              <a:t>= 1.8586;</a:t>
+            </a:r>
+          </a:p>
+          <a:p>
+            <a:r>
+              <a:rPr lang="en-US" dirty="0" err="1">
+                <a:effectLst/>
+              </a:rPr>
+              <a:t>LLoad</a:t>
+            </a:r>
+            <a:r>
+              <a:rPr lang="en-US" dirty="0">
+                <a:effectLst/>
+              </a:rPr>
+              <a:t>=1e-3;</a:t>
+            </a:r>
+          </a:p>
+          <a:p>
+            <a:r>
+              <a:rPr lang="en-US" dirty="0" err="1">
+                <a:effectLst/>
+              </a:rPr>
+              <a:t>Lp</a:t>
+            </a:r>
+            <a:r>
+              <a:rPr lang="en-US" dirty="0">
+                <a:effectLst/>
+              </a:rPr>
+              <a:t>=120e-6;</a:t>
+            </a:r>
+          </a:p>
+          <a:p>
+            <a:r>
+              <a:rPr lang="en-US" dirty="0">
+                <a:effectLst/>
+              </a:rPr>
+              <a:t>Ls=120e-6;</a:t>
+            </a:r>
+          </a:p>
+          <a:p>
+            <a:r>
+              <a:rPr lang="en-US" dirty="0">
+                <a:effectLst/>
+              </a:rPr>
+              <a:t>M=24e-6;</a:t>
+            </a:r>
+          </a:p>
+          <a:p>
+            <a:r>
+              <a:rPr lang="en-US" dirty="0">
+                <a:effectLst/>
+              </a:rPr>
+              <a:t>RL=12;</a:t>
+            </a:r>
+          </a:p>
+          <a:p>
+            <a:r>
+              <a:rPr lang="en-US" dirty="0">
+                <a:effectLst/>
+              </a:rPr>
+              <a:t>Cp=1/(4*wr^2*</a:t>
+            </a:r>
+            <a:r>
+              <a:rPr lang="en-US" dirty="0" err="1">
+                <a:effectLst/>
+              </a:rPr>
+              <a:t>Lp</a:t>
+            </a:r>
+            <a:r>
+              <a:rPr lang="en-US" dirty="0">
+                <a:effectLst/>
+              </a:rPr>
+              <a:t>);</a:t>
+            </a:r>
+          </a:p>
+          <a:p>
+            <a:r>
+              <a:rPr lang="en-US" dirty="0">
+                <a:effectLst/>
+              </a:rPr>
+              <a:t>Cs=1/(4*wr^2*Ls);</a:t>
+            </a:r>
+          </a:p>
+          <a:p>
+            <a:r>
+              <a:rPr lang="en-US" dirty="0" err="1">
+                <a:effectLst/>
+              </a:rPr>
+              <a:t>LSource</a:t>
+            </a:r>
+            <a:r>
+              <a:rPr lang="en-US" dirty="0">
+                <a:effectLst/>
+              </a:rPr>
+              <a:t>= 1e-9;</a:t>
+            </a:r>
+          </a:p>
+          <a:p>
+            <a:r>
+              <a:rPr lang="en-US" dirty="0" err="1">
+                <a:effectLst/>
+              </a:rPr>
+              <a:t>RSource</a:t>
+            </a:r>
+            <a:r>
+              <a:rPr lang="en-US" dirty="0">
+                <a:effectLst/>
+              </a:rPr>
+              <a:t>= 1e-9;</a:t>
+            </a:r>
+          </a:p>
+          <a:p>
+            <a:r>
+              <a:rPr lang="en-US" dirty="0">
+                <a:effectLst/>
+              </a:rPr>
+              <a:t>LCAHA= 1e-9;</a:t>
+            </a:r>
+          </a:p>
+          <a:p>
+            <a:r>
+              <a:rPr lang="en-US" dirty="0">
+                <a:effectLst/>
+              </a:rPr>
+              <a:t>LHACB= 1e-9;</a:t>
+            </a:r>
+          </a:p>
+          <a:p>
+            <a:r>
+              <a:rPr lang="en-US" dirty="0">
+                <a:effectLst/>
+              </a:rPr>
+              <a:t>LCBHB= 1e-9;</a:t>
+            </a:r>
+          </a:p>
+          <a:p>
+            <a:r>
+              <a:rPr lang="en-US" dirty="0">
+                <a:effectLst/>
+              </a:rPr>
+              <a:t>COUT=100e-6;</a:t>
+            </a:r>
+          </a:p>
+          <a:p>
+            <a:br>
+              <a:rPr lang="en-US" dirty="0">
+                <a:effectLst/>
+              </a:rPr>
+            </a:br>
+            <a:endParaRPr lang="en-US" dirty="0">
+              <a:effectLst/>
+            </a:endParaRPr>
+          </a:p>
+          <a:p>
+            <a:br>
+              <a:rPr lang="en-US" dirty="0">
+                <a:effectLst/>
+              </a:rPr>
+            </a:br>
+            <a:endParaRPr lang="en-US" dirty="0"/>
+          </a:p>
+        </p:txBody>
+      </p:sp>
+    </p:spTree>
+    <p:extLst>
+      <p:ext uri="{BB962C8B-B14F-4D97-AF65-F5344CB8AC3E}">
+        <p14:creationId xmlns:p14="http://schemas.microsoft.com/office/powerpoint/2010/main" val="179182852"/>
+      </p:ext>
+    </p:extLst>
+  </p:cSld>
+  <p:clrMapOvr>
+    <a:masterClrMapping/>
+  </p:clrMapOvr>
+</p:sld>
+</file>
+
+<file path=ppt/slides/slide23.xml><?xml version="1.0" encoding="utf-8"?>
+<p:sld xmlns:a="http://schemas.openxmlformats.org/drawingml/2006/main" xmlns:r="http://schemas.openxmlformats.org/officeDocument/2006/relationships" xmlns:p="http://schemas.openxmlformats.org/presentationml/2006/main">
+  <p:cSld>
+    <p:spTree>
+      <p:nvGrpSpPr>
+        <p:cNvPr id="1" name=""/>
+        <p:cNvGrpSpPr/>
+        <p:nvPr/>
+      </p:nvGrpSpPr>
+      <p:grpSpPr>
+        <a:xfrm>
+          <a:off x="0" y="0"/>
+          <a:ext cx="0" cy="0"/>
+          <a:chOff x="0" y="0"/>
+          <a:chExt cx="0" cy="0"/>
+        </a:xfrm>
+      </p:grpSpPr>
+      <p:sp>
+        <p:nvSpPr>
           <p:cNvPr id="2" name="TextBox 1">
             <a:extLst>
               <a:ext uri="{FF2B5EF4-FFF2-40B4-BE49-F238E27FC236}">
@@ -5134,7 +5242,7 @@
 </p:sld>
 </file>
 
-<file path=ppt/slides/slide23.xml><?xml version="1.0" encoding="utf-8"?>
+<file path=ppt/slides/slide24.xml><?xml version="1.0" encoding="utf-8"?>
 <p:sld xmlns:a="http://schemas.openxmlformats.org/drawingml/2006/main" xmlns:r="http://schemas.openxmlformats.org/officeDocument/2006/relationships" xmlns:p="http://schemas.openxmlformats.org/presentationml/2006/main">
   <p:cSld>
     <p:spTree>
@@ -5194,7 +5302,7 @@
 </p:sld>
 </file>
 
-<file path=ppt/slides/slide24.xml><?xml version="1.0" encoding="utf-8"?>
+<file path=ppt/slides/slide25.xml><?xml version="1.0" encoding="utf-8"?>
 <p:sld xmlns:a="http://schemas.openxmlformats.org/drawingml/2006/main" xmlns:r="http://schemas.openxmlformats.org/officeDocument/2006/relationships" xmlns:p="http://schemas.openxmlformats.org/presentationml/2006/main">
   <p:cSld>
     <p:spTree>
@@ -5254,7 +5362,7 @@
 </p:sld>
 </file>
 
-<file path=ppt/slides/slide25.xml><?xml version="1.0" encoding="utf-8"?>
+<file path=ppt/slides/slide26.xml><?xml version="1.0" encoding="utf-8"?>
 <p:sld xmlns:a="http://schemas.openxmlformats.org/drawingml/2006/main" xmlns:r="http://schemas.openxmlformats.org/officeDocument/2006/relationships" xmlns:p="http://schemas.openxmlformats.org/presentationml/2006/main">
   <p:cSld>
     <p:spTree>
@@ -5314,7 +5422,7 @@
 </p:sld>
 </file>
 
-<file path=ppt/slides/slide26.xml><?xml version="1.0" encoding="utf-8"?>
+<file path=ppt/slides/slide27.xml><?xml version="1.0" encoding="utf-8"?>
 <p:sld xmlns:a="http://schemas.openxmlformats.org/drawingml/2006/main" xmlns:r="http://schemas.openxmlformats.org/officeDocument/2006/relationships" xmlns:p="http://schemas.openxmlformats.org/presentationml/2006/main">
   <p:cSld>
     <p:spTree>
@@ -5374,7 +5482,7 @@
 </p:sld>
 </file>
 
-<file path=ppt/slides/slide27.xml><?xml version="1.0" encoding="utf-8"?>
+<file path=ppt/slides/slide28.xml><?xml version="1.0" encoding="utf-8"?>
 <p:sld xmlns:a="http://schemas.openxmlformats.org/drawingml/2006/main" xmlns:r="http://schemas.openxmlformats.org/officeDocument/2006/relationships" xmlns:p="http://schemas.openxmlformats.org/presentationml/2006/main">
   <p:cSld>
     <p:spTree>
@@ -5439,7 +5547,7 @@
 </p:sld>
 </file>
 
-<file path=ppt/slides/slide28.xml><?xml version="1.0" encoding="utf-8"?>
+<file path=ppt/slides/slide29.xml><?xml version="1.0" encoding="utf-8"?>
 <p:sld xmlns:a="http://schemas.openxmlformats.org/drawingml/2006/main" xmlns:r="http://schemas.openxmlformats.org/officeDocument/2006/relationships" xmlns:p="http://schemas.openxmlformats.org/presentationml/2006/main">
   <p:cSld>
     <p:spTree>
@@ -5499,71 +5607,6 @@
 </p:sld>
 </file>
 
-<file path=ppt/slides/slide29.xml><?xml version="1.0" encoding="utf-8"?>
-<p:sld xmlns:a="http://schemas.openxmlformats.org/drawingml/2006/main" xmlns:r="http://schemas.openxmlformats.org/officeDocument/2006/relationships" xmlns:p="http://schemas.openxmlformats.org/presentationml/2006/main">
-  <p:cSld>
-    <p:spTree>
-      <p:nvGrpSpPr>
-        <p:cNvPr id="1" name=""/>
-        <p:cNvGrpSpPr/>
-        <p:nvPr/>
-      </p:nvGrpSpPr>
-      <p:grpSpPr>
-        <a:xfrm>
-          <a:off x="0" y="0"/>
-          <a:ext cx="0" cy="0"/>
-          <a:chOff x="0" y="0"/>
-          <a:chExt cx="0" cy="0"/>
-        </a:xfrm>
-      </p:grpSpPr>
-      <p:sp>
-        <p:nvSpPr>
-          <p:cNvPr id="2" name="TextBox 1">
-            <a:extLst>
-              <a:ext uri="{FF2B5EF4-FFF2-40B4-BE49-F238E27FC236}">
-                <a16:creationId xmlns:a16="http://schemas.microsoft.com/office/drawing/2014/main" id="{D02C2E1D-A2A0-4D29-924B-E9FA364EAD83}"/>
-              </a:ext>
-            </a:extLst>
-          </p:cNvPr>
-          <p:cNvSpPr txBox="1"/>
-          <p:nvPr/>
-        </p:nvSpPr>
-        <p:spPr>
-          <a:xfrm>
-            <a:off x="3854970" y="569626"/>
-            <a:ext cx="4482059" cy="1631216"/>
-          </a:xfrm>
-          <a:prstGeom prst="rect">
-            <a:avLst/>
-          </a:prstGeom>
-          <a:noFill/>
-        </p:spPr>
-        <p:txBody>
-          <a:bodyPr wrap="square" rtlCol="0">
-            <a:spAutoFit/>
-          </a:bodyPr>
-          <a:lstStyle/>
-          <a:p>
-            <a:r>
-              <a:rPr lang="en-US" sz="10000" dirty="0"/>
-              <a:t>WPT</a:t>
-            </a:r>
-          </a:p>
-        </p:txBody>
-      </p:sp>
-    </p:spTree>
-    <p:extLst>
-      <p:ext uri="{BB962C8B-B14F-4D97-AF65-F5344CB8AC3E}">
-        <p14:creationId xmlns:p14="http://schemas.microsoft.com/office/powerpoint/2010/main" val="814982727"/>
-      </p:ext>
-    </p:extLst>
-  </p:cSld>
-  <p:clrMapOvr>
-    <a:masterClrMapping/>
-  </p:clrMapOvr>
-</p:sld>
-</file>
-
 <file path=ppt/slides/slide3.xml><?xml version="1.0" encoding="utf-8"?>
 <p:sld xmlns:a="http://schemas.openxmlformats.org/drawingml/2006/main" xmlns:r="http://schemas.openxmlformats.org/officeDocument/2006/relationships" xmlns:p="http://schemas.openxmlformats.org/presentationml/2006/main">
   <p:cSld>
@@ -5581,40 +5624,45 @@
           <a:chExt cx="0" cy="0"/>
         </a:xfrm>
       </p:grpSpPr>
-      <p:pic>
-        <p:nvPicPr>
-          <p:cNvPr id="2" name="Picture 1">
-            <a:extLst>
-              <a:ext uri="{FF2B5EF4-FFF2-40B4-BE49-F238E27FC236}">
-                <a16:creationId xmlns:a16="http://schemas.microsoft.com/office/drawing/2014/main" id="{55B01ED6-D11E-4D95-A687-F507D51CE8C3}"/>
-              </a:ext>
-            </a:extLst>
-          </p:cNvPr>
-          <p:cNvPicPr>
-            <a:picLocks noChangeAspect="1"/>
-          </p:cNvPicPr>
+      <p:sp>
+        <p:nvSpPr>
+          <p:cNvPr id="2" name="TextBox 1">
+            <a:extLst>
+              <a:ext uri="{FF2B5EF4-FFF2-40B4-BE49-F238E27FC236}">
+                <a16:creationId xmlns:a16="http://schemas.microsoft.com/office/drawing/2014/main" id="{9131B280-A957-4171-8357-D6C8430D7AC6}"/>
+              </a:ext>
+            </a:extLst>
+          </p:cNvPr>
+          <p:cNvSpPr txBox="1"/>
           <p:nvPr/>
-        </p:nvPicPr>
-        <p:blipFill>
-          <a:blip r:embed="rId2"/>
-          <a:stretch>
-            <a:fillRect/>
-          </a:stretch>
-        </p:blipFill>
+        </p:nvSpPr>
         <p:spPr>
           <a:xfrm>
-            <a:off x="2392929" y="551501"/>
-            <a:ext cx="7980264" cy="5754998"/>
+            <a:off x="4092314" y="974361"/>
+            <a:ext cx="4482059" cy="1631216"/>
           </a:xfrm>
           <a:prstGeom prst="rect">
             <a:avLst/>
           </a:prstGeom>
+          <a:noFill/>
         </p:spPr>
-      </p:pic>
+        <p:txBody>
+          <a:bodyPr wrap="square" rtlCol="0">
+            <a:spAutoFit/>
+          </a:bodyPr>
+          <a:lstStyle/>
+          <a:p>
+            <a:r>
+              <a:rPr lang="en-US" sz="10000" dirty="0"/>
+              <a:t>DC BUS</a:t>
+            </a:r>
+          </a:p>
+        </p:txBody>
+      </p:sp>
     </p:spTree>
     <p:extLst>
       <p:ext uri="{BB962C8B-B14F-4D97-AF65-F5344CB8AC3E}">
-        <p14:creationId xmlns:p14="http://schemas.microsoft.com/office/powerpoint/2010/main" val="3542952998"/>
+        <p14:creationId xmlns:p14="http://schemas.microsoft.com/office/powerpoint/2010/main" val="1768858504"/>
       </p:ext>
     </p:extLst>
   </p:cSld>
@@ -5625,6 +5673,71 @@
 </file>
 
 <file path=ppt/slides/slide30.xml><?xml version="1.0" encoding="utf-8"?>
+<p:sld xmlns:a="http://schemas.openxmlformats.org/drawingml/2006/main" xmlns:r="http://schemas.openxmlformats.org/officeDocument/2006/relationships" xmlns:p="http://schemas.openxmlformats.org/presentationml/2006/main">
+  <p:cSld>
+    <p:spTree>
+      <p:nvGrpSpPr>
+        <p:cNvPr id="1" name=""/>
+        <p:cNvGrpSpPr/>
+        <p:nvPr/>
+      </p:nvGrpSpPr>
+      <p:grpSpPr>
+        <a:xfrm>
+          <a:off x="0" y="0"/>
+          <a:ext cx="0" cy="0"/>
+          <a:chOff x="0" y="0"/>
+          <a:chExt cx="0" cy="0"/>
+        </a:xfrm>
+      </p:grpSpPr>
+      <p:sp>
+        <p:nvSpPr>
+          <p:cNvPr id="2" name="TextBox 1">
+            <a:extLst>
+              <a:ext uri="{FF2B5EF4-FFF2-40B4-BE49-F238E27FC236}">
+                <a16:creationId xmlns:a16="http://schemas.microsoft.com/office/drawing/2014/main" id="{D02C2E1D-A2A0-4D29-924B-E9FA364EAD83}"/>
+              </a:ext>
+            </a:extLst>
+          </p:cNvPr>
+          <p:cNvSpPr txBox="1"/>
+          <p:nvPr/>
+        </p:nvSpPr>
+        <p:spPr>
+          <a:xfrm>
+            <a:off x="3854970" y="569626"/>
+            <a:ext cx="4482059" cy="1631216"/>
+          </a:xfrm>
+          <a:prstGeom prst="rect">
+            <a:avLst/>
+          </a:prstGeom>
+          <a:noFill/>
+        </p:spPr>
+        <p:txBody>
+          <a:bodyPr wrap="square" rtlCol="0">
+            <a:spAutoFit/>
+          </a:bodyPr>
+          <a:lstStyle/>
+          <a:p>
+            <a:r>
+              <a:rPr lang="en-US" sz="10000" dirty="0"/>
+              <a:t>WPT</a:t>
+            </a:r>
+          </a:p>
+        </p:txBody>
+      </p:sp>
+    </p:spTree>
+    <p:extLst>
+      <p:ext uri="{BB962C8B-B14F-4D97-AF65-F5344CB8AC3E}">
+        <p14:creationId xmlns:p14="http://schemas.microsoft.com/office/powerpoint/2010/main" val="814982727"/>
+      </p:ext>
+    </p:extLst>
+  </p:cSld>
+  <p:clrMapOvr>
+    <a:masterClrMapping/>
+  </p:clrMapOvr>
+</p:sld>
+</file>
+
+<file path=ppt/slides/slide31.xml><?xml version="1.0" encoding="utf-8"?>
 <p:sld xmlns:a="http://schemas.openxmlformats.org/drawingml/2006/main" xmlns:r="http://schemas.openxmlformats.org/officeDocument/2006/relationships" xmlns:p="http://schemas.openxmlformats.org/presentationml/2006/main">
   <p:cSld>
     <p:spTree>
@@ -5684,7 +5797,7 @@
 </p:sld>
 </file>
 
-<file path=ppt/slides/slide31.xml><?xml version="1.0" encoding="utf-8"?>
+<file path=ppt/slides/slide32.xml><?xml version="1.0" encoding="utf-8"?>
 <p:sld xmlns:a="http://schemas.openxmlformats.org/drawingml/2006/main" xmlns:r="http://schemas.openxmlformats.org/officeDocument/2006/relationships" xmlns:p="http://schemas.openxmlformats.org/presentationml/2006/main">
   <p:cSld>
     <p:spTree>
@@ -6066,7 +6179,7 @@
 </p:sld>
 </file>
 
-<file path=ppt/slides/slide32.xml><?xml version="1.0" encoding="utf-8"?>
+<file path=ppt/slides/slide33.xml><?xml version="1.0" encoding="utf-8"?>
 <p:sld xmlns:a="http://schemas.openxmlformats.org/drawingml/2006/main" xmlns:r="http://schemas.openxmlformats.org/officeDocument/2006/relationships" xmlns:p="http://schemas.openxmlformats.org/presentationml/2006/main">
   <p:cSld>
     <p:spTree>
@@ -6180,6 +6293,66 @@
       </p:grpSpPr>
       <p:pic>
         <p:nvPicPr>
+          <p:cNvPr id="2" name="Picture 1">
+            <a:extLst>
+              <a:ext uri="{FF2B5EF4-FFF2-40B4-BE49-F238E27FC236}">
+                <a16:creationId xmlns:a16="http://schemas.microsoft.com/office/drawing/2014/main" id="{55B01ED6-D11E-4D95-A687-F507D51CE8C3}"/>
+              </a:ext>
+            </a:extLst>
+          </p:cNvPr>
+          <p:cNvPicPr>
+            <a:picLocks noChangeAspect="1"/>
+          </p:cNvPicPr>
+          <p:nvPr/>
+        </p:nvPicPr>
+        <p:blipFill>
+          <a:blip r:embed="rId2"/>
+          <a:stretch>
+            <a:fillRect/>
+          </a:stretch>
+        </p:blipFill>
+        <p:spPr>
+          <a:xfrm>
+            <a:off x="2392929" y="551501"/>
+            <a:ext cx="7980264" cy="5754998"/>
+          </a:xfrm>
+          <a:prstGeom prst="rect">
+            <a:avLst/>
+          </a:prstGeom>
+        </p:spPr>
+      </p:pic>
+    </p:spTree>
+    <p:extLst>
+      <p:ext uri="{BB962C8B-B14F-4D97-AF65-F5344CB8AC3E}">
+        <p14:creationId xmlns:p14="http://schemas.microsoft.com/office/powerpoint/2010/main" val="3542952998"/>
+      </p:ext>
+    </p:extLst>
+  </p:cSld>
+  <p:clrMapOvr>
+    <a:masterClrMapping/>
+  </p:clrMapOvr>
+</p:sld>
+</file>
+
+<file path=ppt/slides/slide5.xml><?xml version="1.0" encoding="utf-8"?>
+<p:sld xmlns:a="http://schemas.openxmlformats.org/drawingml/2006/main" xmlns:r="http://schemas.openxmlformats.org/officeDocument/2006/relationships" xmlns:p="http://schemas.openxmlformats.org/presentationml/2006/main">
+  <p:cSld>
+    <p:spTree>
+      <p:nvGrpSpPr>
+        <p:cNvPr id="1" name=""/>
+        <p:cNvGrpSpPr/>
+        <p:nvPr/>
+      </p:nvGrpSpPr>
+      <p:grpSpPr>
+        <a:xfrm>
+          <a:off x="0" y="0"/>
+          <a:ext cx="0" cy="0"/>
+          <a:chOff x="0" y="0"/>
+          <a:chExt cx="0" cy="0"/>
+        </a:xfrm>
+      </p:grpSpPr>
+      <p:pic>
+        <p:nvPicPr>
           <p:cNvPr id="4" name="Picture 3">
             <a:extLst>
               <a:ext uri="{FF2B5EF4-FFF2-40B4-BE49-F238E27FC236}">
@@ -6221,7 +6394,7 @@
 </p:sld>
 </file>
 
-<file path=ppt/slides/slide5.xml><?xml version="1.0" encoding="utf-8"?>
+<file path=ppt/slides/slide6.xml><?xml version="1.0" encoding="utf-8"?>
 <p:sld xmlns:a="http://schemas.openxmlformats.org/drawingml/2006/main" xmlns:r="http://schemas.openxmlformats.org/officeDocument/2006/relationships" xmlns:p="http://schemas.openxmlformats.org/presentationml/2006/main">
   <p:cSld>
     <p:spTree>
@@ -6281,7 +6454,7 @@
 </p:sld>
 </file>
 
-<file path=ppt/slides/slide6.xml><?xml version="1.0" encoding="utf-8"?>
+<file path=ppt/slides/slide7.xml><?xml version="1.0" encoding="utf-8"?>
 <p:sld xmlns:a="http://schemas.openxmlformats.org/drawingml/2006/main" xmlns:r="http://schemas.openxmlformats.org/officeDocument/2006/relationships" xmlns:p="http://schemas.openxmlformats.org/presentationml/2006/main">
   <p:cSld>
     <p:spTree>
@@ -6341,71 +6514,6 @@
 </p:sld>
 </file>
 
-<file path=ppt/slides/slide7.xml><?xml version="1.0" encoding="utf-8"?>
-<p:sld xmlns:a="http://schemas.openxmlformats.org/drawingml/2006/main" xmlns:r="http://schemas.openxmlformats.org/officeDocument/2006/relationships" xmlns:p="http://schemas.openxmlformats.org/presentationml/2006/main">
-  <p:cSld>
-    <p:spTree>
-      <p:nvGrpSpPr>
-        <p:cNvPr id="1" name=""/>
-        <p:cNvGrpSpPr/>
-        <p:nvPr/>
-      </p:nvGrpSpPr>
-      <p:grpSpPr>
-        <a:xfrm>
-          <a:off x="0" y="0"/>
-          <a:ext cx="0" cy="0"/>
-          <a:chOff x="0" y="0"/>
-          <a:chExt cx="0" cy="0"/>
-        </a:xfrm>
-      </p:grpSpPr>
-      <p:sp>
-        <p:nvSpPr>
-          <p:cNvPr id="2" name="TextBox 1">
-            <a:extLst>
-              <a:ext uri="{FF2B5EF4-FFF2-40B4-BE49-F238E27FC236}">
-                <a16:creationId xmlns:a16="http://schemas.microsoft.com/office/drawing/2014/main" id="{9131B280-A957-4171-8357-D6C8430D7AC6}"/>
-              </a:ext>
-            </a:extLst>
-          </p:cNvPr>
-          <p:cNvSpPr txBox="1"/>
-          <p:nvPr/>
-        </p:nvSpPr>
-        <p:spPr>
-          <a:xfrm>
-            <a:off x="3854970" y="569626"/>
-            <a:ext cx="4482059" cy="1631216"/>
-          </a:xfrm>
-          <a:prstGeom prst="rect">
-            <a:avLst/>
-          </a:prstGeom>
-          <a:noFill/>
-        </p:spPr>
-        <p:txBody>
-          <a:bodyPr wrap="square" rtlCol="0">
-            <a:spAutoFit/>
-          </a:bodyPr>
-          <a:lstStyle/>
-          <a:p>
-            <a:r>
-              <a:rPr lang="en-US" sz="10000" dirty="0"/>
-              <a:t>MOTOR</a:t>
-            </a:r>
-          </a:p>
-        </p:txBody>
-      </p:sp>
-    </p:spTree>
-    <p:extLst>
-      <p:ext uri="{BB962C8B-B14F-4D97-AF65-F5344CB8AC3E}">
-        <p14:creationId xmlns:p14="http://schemas.microsoft.com/office/powerpoint/2010/main" val="175407328"/>
-      </p:ext>
-    </p:extLst>
-  </p:cSld>
-  <p:clrMapOvr>
-    <a:masterClrMapping/>
-  </p:clrMapOvr>
-</p:sld>
-</file>
-
 <file path=ppt/slides/slide8.xml><?xml version="1.0" encoding="utf-8"?>
 <p:sld xmlns:a="http://schemas.openxmlformats.org/drawingml/2006/main" xmlns:r="http://schemas.openxmlformats.org/officeDocument/2006/relationships" xmlns:p="http://schemas.openxmlformats.org/presentationml/2006/main">
   <p:cSld>
@@ -6423,40 +6531,45 @@
           <a:chExt cx="0" cy="0"/>
         </a:xfrm>
       </p:grpSpPr>
-      <p:pic>
-        <p:nvPicPr>
-          <p:cNvPr id="4" name="Picture 3">
-            <a:extLst>
-              <a:ext uri="{FF2B5EF4-FFF2-40B4-BE49-F238E27FC236}">
-                <a16:creationId xmlns:a16="http://schemas.microsoft.com/office/drawing/2014/main" id="{A8EA3002-FCDA-4EEB-A0F3-827AB7880CC4}"/>
-              </a:ext>
-            </a:extLst>
-          </p:cNvPr>
-          <p:cNvPicPr>
-            <a:picLocks noChangeAspect="1"/>
-          </p:cNvPicPr>
+      <p:sp>
+        <p:nvSpPr>
+          <p:cNvPr id="2" name="TextBox 1">
+            <a:extLst>
+              <a:ext uri="{FF2B5EF4-FFF2-40B4-BE49-F238E27FC236}">
+                <a16:creationId xmlns:a16="http://schemas.microsoft.com/office/drawing/2014/main" id="{9131B280-A957-4171-8357-D6C8430D7AC6}"/>
+              </a:ext>
+            </a:extLst>
+          </p:cNvPr>
+          <p:cNvSpPr txBox="1"/>
           <p:nvPr/>
-        </p:nvPicPr>
-        <p:blipFill>
-          <a:blip r:embed="rId2"/>
-          <a:stretch>
-            <a:fillRect/>
-          </a:stretch>
-        </p:blipFill>
+        </p:nvSpPr>
         <p:spPr>
           <a:xfrm>
-            <a:off x="2454639" y="299803"/>
-            <a:ext cx="7661848" cy="5746386"/>
+            <a:off x="3854970" y="569626"/>
+            <a:ext cx="4482059" cy="1631216"/>
           </a:xfrm>
           <a:prstGeom prst="rect">
             <a:avLst/>
           </a:prstGeom>
+          <a:noFill/>
         </p:spPr>
-      </p:pic>
+        <p:txBody>
+          <a:bodyPr wrap="square" rtlCol="0">
+            <a:spAutoFit/>
+          </a:bodyPr>
+          <a:lstStyle/>
+          <a:p>
+            <a:r>
+              <a:rPr lang="en-US" sz="10000" dirty="0"/>
+              <a:t>MOTOR</a:t>
+            </a:r>
+          </a:p>
+        </p:txBody>
+      </p:sp>
     </p:spTree>
     <p:extLst>
       <p:ext uri="{BB962C8B-B14F-4D97-AF65-F5344CB8AC3E}">
-        <p14:creationId xmlns:p14="http://schemas.microsoft.com/office/powerpoint/2010/main" val="3791420180"/>
+        <p14:creationId xmlns:p14="http://schemas.microsoft.com/office/powerpoint/2010/main" val="175407328"/>
       </p:ext>
     </p:extLst>
   </p:cSld>
@@ -6483,45 +6596,40 @@
           <a:chExt cx="0" cy="0"/>
         </a:xfrm>
       </p:grpSpPr>
-      <p:sp>
-        <p:nvSpPr>
-          <p:cNvPr id="2" name="TextBox 1">
-            <a:extLst>
-              <a:ext uri="{FF2B5EF4-FFF2-40B4-BE49-F238E27FC236}">
-                <a16:creationId xmlns:a16="http://schemas.microsoft.com/office/drawing/2014/main" id="{D02C2E1D-A2A0-4D29-924B-E9FA364EAD83}"/>
-              </a:ext>
-            </a:extLst>
-          </p:cNvPr>
-          <p:cNvSpPr txBox="1"/>
+      <p:pic>
+        <p:nvPicPr>
+          <p:cNvPr id="4" name="Picture 3">
+            <a:extLst>
+              <a:ext uri="{FF2B5EF4-FFF2-40B4-BE49-F238E27FC236}">
+                <a16:creationId xmlns:a16="http://schemas.microsoft.com/office/drawing/2014/main" id="{A8EA3002-FCDA-4EEB-A0F3-827AB7880CC4}"/>
+              </a:ext>
+            </a:extLst>
+          </p:cNvPr>
+          <p:cNvPicPr>
+            <a:picLocks noChangeAspect="1"/>
+          </p:cNvPicPr>
           <p:nvPr/>
-        </p:nvSpPr>
+        </p:nvPicPr>
+        <p:blipFill>
+          <a:blip r:embed="rId2"/>
+          <a:stretch>
+            <a:fillRect/>
+          </a:stretch>
+        </p:blipFill>
         <p:spPr>
           <a:xfrm>
-            <a:off x="3854970" y="569626"/>
-            <a:ext cx="4482059" cy="1631216"/>
+            <a:off x="2454639" y="299803"/>
+            <a:ext cx="7661848" cy="5746386"/>
           </a:xfrm>
           <a:prstGeom prst="rect">
             <a:avLst/>
           </a:prstGeom>
-          <a:noFill/>
         </p:spPr>
-        <p:txBody>
-          <a:bodyPr wrap="square" rtlCol="0">
-            <a:spAutoFit/>
-          </a:bodyPr>
-          <a:lstStyle/>
-          <a:p>
-            <a:r>
-              <a:rPr lang="en-US" sz="10000" dirty="0"/>
-              <a:t>WPT</a:t>
-            </a:r>
-          </a:p>
-        </p:txBody>
-      </p:sp>
+      </p:pic>
     </p:spTree>
     <p:extLst>
       <p:ext uri="{BB962C8B-B14F-4D97-AF65-F5344CB8AC3E}">
-        <p14:creationId xmlns:p14="http://schemas.microsoft.com/office/powerpoint/2010/main" val="2140607749"/>
+        <p14:creationId xmlns:p14="http://schemas.microsoft.com/office/powerpoint/2010/main" val="3791420180"/>
       </p:ext>
     </p:extLst>
   </p:cSld>
